--- a/documentation/OBRS.PPTX
+++ b/documentation/OBRS.PPTX
@@ -9,22 +9,21 @@
     <p:sldId id="257" r:id="rId3"/>
     <p:sldId id="258" r:id="rId4"/>
     <p:sldId id="259" r:id="rId5"/>
-    <p:sldId id="260" r:id="rId6"/>
+    <p:sldId id="276" r:id="rId6"/>
     <p:sldId id="261" r:id="rId7"/>
     <p:sldId id="262" r:id="rId8"/>
     <p:sldId id="263" r:id="rId9"/>
     <p:sldId id="264" r:id="rId10"/>
     <p:sldId id="265" r:id="rId11"/>
     <p:sldId id="266" r:id="rId12"/>
-    <p:sldId id="267" r:id="rId13"/>
-    <p:sldId id="268" r:id="rId14"/>
-    <p:sldId id="269" r:id="rId15"/>
-    <p:sldId id="270" r:id="rId16"/>
-    <p:sldId id="271" r:id="rId17"/>
-    <p:sldId id="272" r:id="rId18"/>
-    <p:sldId id="273" r:id="rId19"/>
-    <p:sldId id="274" r:id="rId20"/>
-    <p:sldId id="275" r:id="rId21"/>
+    <p:sldId id="268" r:id="rId13"/>
+    <p:sldId id="269" r:id="rId14"/>
+    <p:sldId id="270" r:id="rId15"/>
+    <p:sldId id="271" r:id="rId16"/>
+    <p:sldId id="272" r:id="rId17"/>
+    <p:sldId id="273" r:id="rId18"/>
+    <p:sldId id="274" r:id="rId19"/>
+    <p:sldId id="275" r:id="rId20"/>
   </p:sldIdLst>
   <p:sldSz cx="12192000" cy="6858000"/>
   <p:notesSz cx="6858000" cy="9144000"/>
@@ -123,6 +122,11 @@
       </a:defRPr>
     </a:lvl9pPr>
   </p:defaultTextStyle>
+  <p:extLst>
+    <p:ext uri="{EFAFB233-063F-42B5-8137-9DF3F51BA10A}">
+      <p15:sldGuideLst xmlns:p15="http://schemas.microsoft.com/office/powerpoint/2012/main"/>
+    </p:ext>
+  </p:extLst>
 </p:presentation>
 </file>
 
@@ -278,7 +282,7 @@
           <a:p>
             <a:fld id="{1ECB5883-038C-4696-8E27-1811E470D6D4}" type="datetime1">
               <a:rPr lang="en-US" smtClean="0"/>
-              <a:t>5/10/2024</a:t>
+              <a:t>5/11/2024</a:t>
             </a:fld>
             <a:endParaRPr lang="en-US"/>
           </a:p>
@@ -524,7 +528,7 @@
           <a:p>
             <a:fld id="{61E8A6D4-154B-4E4D-9001-7A6C328D243E}" type="datetime1">
               <a:rPr lang="en-US" smtClean="0"/>
-              <a:t>5/10/2024</a:t>
+              <a:t>5/11/2024</a:t>
             </a:fld>
             <a:endParaRPr lang="en-US"/>
           </a:p>
@@ -707,7 +711,7 @@
           <a:p>
             <a:fld id="{EF880999-9BD6-4929-BDEC-B84E21C16701}" type="datetime1">
               <a:rPr lang="en-US" smtClean="0"/>
-              <a:t>5/10/2024</a:t>
+              <a:t>5/11/2024</a:t>
             </a:fld>
             <a:endParaRPr lang="en-US"/>
           </a:p>
@@ -915,7 +919,7 @@
           <a:p>
             <a:fld id="{579F6069-8263-4296-913A-BC2234E8D32B}" type="datetime1">
               <a:rPr lang="en-US" smtClean="0"/>
-              <a:t>5/10/2024</a:t>
+              <a:t>5/11/2024</a:t>
             </a:fld>
             <a:endParaRPr lang="en-US"/>
           </a:p>
@@ -1175,7 +1179,7 @@
           <a:p>
             <a:fld id="{BC9F5005-EC25-4FB9-B19B-2437F0B120D2}" type="datetime1">
               <a:rPr lang="en-US" smtClean="0"/>
-              <a:t>5/10/2024</a:t>
+              <a:t>5/11/2024</a:t>
             </a:fld>
             <a:endParaRPr lang="en-US"/>
           </a:p>
@@ -1525,7 +1529,7 @@
           <a:p>
             <a:fld id="{0B283B5C-2325-42FF-AF91-C1451D9D66CC}" type="datetime1">
               <a:rPr lang="en-US" smtClean="0"/>
-              <a:t>5/10/2024</a:t>
+              <a:t>5/11/2024</a:t>
             </a:fld>
             <a:endParaRPr lang="en-US"/>
           </a:p>
@@ -1930,7 +1934,7 @@
           <a:p>
             <a:fld id="{0F88DB08-3B01-46DD-99F2-F6F6334EA669}" type="datetime1">
               <a:rPr lang="en-US" smtClean="0"/>
-              <a:t>5/10/2024</a:t>
+              <a:t>5/11/2024</a:t>
             </a:fld>
             <a:endParaRPr lang="en-US"/>
           </a:p>
@@ -2051,7 +2055,7 @@
           <a:p>
             <a:fld id="{5892AC11-ACC3-4129-BBD7-C580BF1A4EE7}" type="datetime1">
               <a:rPr lang="en-US" smtClean="0"/>
-              <a:t>5/10/2024</a:t>
+              <a:t>5/11/2024</a:t>
             </a:fld>
             <a:endParaRPr lang="en-US"/>
           </a:p>
@@ -2149,7 +2153,7 @@
           <a:p>
             <a:fld id="{6D80F7F3-E406-44E2-93AF-674B3F1A2E51}" type="datetime1">
               <a:rPr lang="en-US" smtClean="0"/>
-              <a:t>5/10/2024</a:t>
+              <a:t>5/11/2024</a:t>
             </a:fld>
             <a:endParaRPr lang="en-US"/>
           </a:p>
@@ -2442,7 +2446,7 @@
           <a:p>
             <a:fld id="{2FB1DD93-7C9D-4E53-81F0-DDE57FEA7EDB}" type="datetime1">
               <a:rPr lang="en-US" smtClean="0"/>
-              <a:t>5/10/2024</a:t>
+              <a:t>5/11/2024</a:t>
             </a:fld>
             <a:endParaRPr lang="en-US"/>
           </a:p>
@@ -2725,7 +2729,7 @@
           <a:p>
             <a:fld id="{3DF7BC28-59DE-4F83-B4A1-497203279FAD}" type="datetime1">
               <a:rPr lang="en-US" smtClean="0"/>
-              <a:t>5/10/2024</a:t>
+              <a:t>5/11/2024</a:t>
             </a:fld>
             <a:endParaRPr lang="en-US"/>
           </a:p>
@@ -2978,7 +2982,7 @@
           <a:p>
             <a:fld id="{0BDC4764-F656-4735-9820-9886F8DF1D6A}" type="datetime1">
               <a:rPr lang="en-US" smtClean="0"/>
-              <a:t>5/10/2024</a:t>
+              <a:t>5/11/2024</a:t>
             </a:fld>
             <a:endParaRPr lang="en-US" dirty="0"/>
           </a:p>
@@ -4030,7 +4034,7 @@
           <a:p>
             <a:fld id="{3DF7BC28-59DE-4F83-B4A1-497203279FAD}" type="datetime1">
               <a:rPr lang="en-US" smtClean="0"/>
-              <a:t>5/10/2024</a:t>
+              <a:t>5/11/2024</a:t>
             </a:fld>
             <a:endParaRPr lang="en-US"/>
           </a:p>
@@ -4385,7 +4389,7 @@
                   <a:spcPts val="600"/>
                 </a:spcAft>
               </a:pPr>
-              <a:t>5/10/2024</a:t>
+              <a:t>5/11/2024</a:t>
             </a:fld>
             <a:endParaRPr lang="en-US"/>
           </a:p>
@@ -4650,10 +4654,10 @@
       </p:sp>
       <p:pic>
         <p:nvPicPr>
-          <p:cNvPr id="5" name="Picture 4" descr="A screenshot of a computer&#10;&#10;Description automatically generated">
-            <a:extLst>
-              <a:ext uri="{FF2B5EF4-FFF2-40B4-BE49-F238E27FC236}">
-                <a16:creationId xmlns:a16="http://schemas.microsoft.com/office/drawing/2014/main" id="{220BBB53-E96C-4930-A258-4EC9DE9C2A42}"/>
+          <p:cNvPr id="5" name="image2.png" descr="A black screen with white text&#10;&#10;Description automatically generated">
+            <a:extLst>
+              <a:ext uri="{FF2B5EF4-FFF2-40B4-BE49-F238E27FC236}">
+                <a16:creationId xmlns:a16="http://schemas.microsoft.com/office/drawing/2014/main" id="{177E4FDA-F8DB-FFF2-2F4E-61BBB54B20C3}"/>
               </a:ext>
             </a:extLst>
           </p:cNvPr>
@@ -4676,8 +4680,8 @@
         </p:blipFill>
         <p:spPr>
           <a:xfrm>
-            <a:off x="2729459" y="514526"/>
-            <a:ext cx="6926664" cy="5177682"/>
+            <a:off x="643467" y="2365756"/>
+            <a:ext cx="10905066" cy="2126487"/>
           </a:xfrm>
           <a:prstGeom prst="rect">
             <a:avLst/>
@@ -4689,7 +4693,7 @@
           <p:cNvPr id="2" name="Date Placeholder 1">
             <a:extLst>
               <a:ext uri="{FF2B5EF4-FFF2-40B4-BE49-F238E27FC236}">
-                <a16:creationId xmlns:a16="http://schemas.microsoft.com/office/drawing/2014/main" id="{02FEFC27-26AE-37E0-0644-C01644FD567A}"/>
+                <a16:creationId xmlns:a16="http://schemas.microsoft.com/office/drawing/2014/main" id="{95685966-5A01-9A1A-55D0-EABE1145F2F2}"/>
               </a:ext>
             </a:extLst>
           </p:cNvPr>
@@ -4724,7 +4728,7 @@
                   <a:spcPts val="600"/>
                 </a:spcAft>
               </a:pPr>
-              <a:t>5/10/2024</a:t>
+              <a:t>5/11/2024</a:t>
             </a:fld>
             <a:endParaRPr lang="en-US"/>
           </a:p>
@@ -4735,7 +4739,7 @@
           <p:cNvPr id="3" name="Footer Placeholder 2">
             <a:extLst>
               <a:ext uri="{FF2B5EF4-FFF2-40B4-BE49-F238E27FC236}">
-                <a16:creationId xmlns:a16="http://schemas.microsoft.com/office/drawing/2014/main" id="{FCAF74E7-30C1-70F3-3307-15059D6406B3}"/>
+                <a16:creationId xmlns:a16="http://schemas.microsoft.com/office/drawing/2014/main" id="{E6A993FA-075C-92F1-83CF-BBC86E858C0F}"/>
               </a:ext>
             </a:extLst>
           </p:cNvPr>
@@ -4775,7 +4779,7 @@
           <p:cNvPr id="4" name="Slide Number Placeholder 3">
             <a:extLst>
               <a:ext uri="{FF2B5EF4-FFF2-40B4-BE49-F238E27FC236}">
-                <a16:creationId xmlns:a16="http://schemas.microsoft.com/office/drawing/2014/main" id="{48C0006B-5472-D407-A1F1-7A1040F55A3A}"/>
+                <a16:creationId xmlns:a16="http://schemas.microsoft.com/office/drawing/2014/main" id="{28679EA6-1F01-36E5-9CC4-72C998FFCAAB}"/>
               </a:ext>
             </a:extLst>
           </p:cNvPr>
@@ -4821,7 +4825,7 @@
           <p:cNvPr id="6" name="TextBox 5">
             <a:extLst>
               <a:ext uri="{FF2B5EF4-FFF2-40B4-BE49-F238E27FC236}">
-                <a16:creationId xmlns:a16="http://schemas.microsoft.com/office/drawing/2014/main" id="{B0C73C52-9F61-00D1-9D4D-F5CFD78C7FDC}"/>
+                <a16:creationId xmlns:a16="http://schemas.microsoft.com/office/drawing/2014/main" id="{8749B0C6-2469-1C42-1CEB-F49EF58F82D4}"/>
               </a:ext>
             </a:extLst>
           </p:cNvPr>
@@ -4830,8 +4834,8 @@
         </p:nvSpPr>
         <p:spPr>
           <a:xfrm>
-            <a:off x="3178272" y="5778230"/>
-            <a:ext cx="5887907" cy="369332"/>
+            <a:off x="3871609" y="5291847"/>
+            <a:ext cx="4192621" cy="369332"/>
           </a:xfrm>
           <a:prstGeom prst="rect">
             <a:avLst/>
@@ -4850,7 +4854,7 @@
                   <a:schemeClr val="bg1"/>
                 </a:solidFill>
               </a:rPr>
-              <a:t>3-Tier Architecture </a:t>
+              <a:t>DFD LEVEL 0</a:t>
             </a:r>
           </a:p>
         </p:txBody>
@@ -4858,7 +4862,7 @@
     </p:spTree>
     <p:extLst>
       <p:ext uri="{BB962C8B-B14F-4D97-AF65-F5344CB8AC3E}">
-        <p14:creationId xmlns:p14="http://schemas.microsoft.com/office/powerpoint/2010/main" val="2886419273"/>
+        <p14:creationId xmlns:p14="http://schemas.microsoft.com/office/powerpoint/2010/main" val="3443452163"/>
       </p:ext>
     </p:extLst>
   </p:cSld>
@@ -5028,10 +5032,10 @@
       </p:sp>
       <p:pic>
         <p:nvPicPr>
-          <p:cNvPr id="5" name="image2.png" descr="A black screen with white text&#10;&#10;Description automatically generated">
-            <a:extLst>
-              <a:ext uri="{FF2B5EF4-FFF2-40B4-BE49-F238E27FC236}">
-                <a16:creationId xmlns:a16="http://schemas.microsoft.com/office/drawing/2014/main" id="{177E4FDA-F8DB-FFF2-2F4E-61BBB54B20C3}"/>
+          <p:cNvPr id="5" name="Picture 4" descr="A black background with white squares&#10;&#10;Description automatically generated">
+            <a:extLst>
+              <a:ext uri="{FF2B5EF4-FFF2-40B4-BE49-F238E27FC236}">
+                <a16:creationId xmlns:a16="http://schemas.microsoft.com/office/drawing/2014/main" id="{2F643E43-7D8D-0801-A0E7-41B211063419}"/>
               </a:ext>
             </a:extLst>
           </p:cNvPr>
@@ -5054,8 +5058,8 @@
         </p:blipFill>
         <p:spPr>
           <a:xfrm>
-            <a:off x="643467" y="2365756"/>
-            <a:ext cx="10905066" cy="2126487"/>
+            <a:off x="2524804" y="480060"/>
+            <a:ext cx="7142392" cy="5571066"/>
           </a:xfrm>
           <a:prstGeom prst="rect">
             <a:avLst/>
@@ -5067,7 +5071,7 @@
           <p:cNvPr id="2" name="Date Placeholder 1">
             <a:extLst>
               <a:ext uri="{FF2B5EF4-FFF2-40B4-BE49-F238E27FC236}">
-                <a16:creationId xmlns:a16="http://schemas.microsoft.com/office/drawing/2014/main" id="{95685966-5A01-9A1A-55D0-EABE1145F2F2}"/>
+                <a16:creationId xmlns:a16="http://schemas.microsoft.com/office/drawing/2014/main" id="{074EF73C-1488-3D93-1AC3-716E320C1E28}"/>
               </a:ext>
             </a:extLst>
           </p:cNvPr>
@@ -5102,7 +5106,7 @@
                   <a:spcPts val="600"/>
                 </a:spcAft>
               </a:pPr>
-              <a:t>5/10/2024</a:t>
+              <a:t>5/11/2024</a:t>
             </a:fld>
             <a:endParaRPr lang="en-US"/>
           </a:p>
@@ -5113,7 +5117,7 @@
           <p:cNvPr id="3" name="Footer Placeholder 2">
             <a:extLst>
               <a:ext uri="{FF2B5EF4-FFF2-40B4-BE49-F238E27FC236}">
-                <a16:creationId xmlns:a16="http://schemas.microsoft.com/office/drawing/2014/main" id="{E6A993FA-075C-92F1-83CF-BBC86E858C0F}"/>
+                <a16:creationId xmlns:a16="http://schemas.microsoft.com/office/drawing/2014/main" id="{DF834AC9-A822-4E9C-9479-80BDD31DAC4C}"/>
               </a:ext>
             </a:extLst>
           </p:cNvPr>
@@ -5153,7 +5157,7 @@
           <p:cNvPr id="4" name="Slide Number Placeholder 3">
             <a:extLst>
               <a:ext uri="{FF2B5EF4-FFF2-40B4-BE49-F238E27FC236}">
-                <a16:creationId xmlns:a16="http://schemas.microsoft.com/office/drawing/2014/main" id="{28679EA6-1F01-36E5-9CC4-72C998FFCAAB}"/>
+                <a16:creationId xmlns:a16="http://schemas.microsoft.com/office/drawing/2014/main" id="{5E3B36B5-07EA-44D8-DD5E-97730B25E0F3}"/>
               </a:ext>
             </a:extLst>
           </p:cNvPr>
@@ -5199,7 +5203,7 @@
           <p:cNvPr id="6" name="TextBox 5">
             <a:extLst>
               <a:ext uri="{FF2B5EF4-FFF2-40B4-BE49-F238E27FC236}">
-                <a16:creationId xmlns:a16="http://schemas.microsoft.com/office/drawing/2014/main" id="{8749B0C6-2469-1C42-1CEB-F49EF58F82D4}"/>
+                <a16:creationId xmlns:a16="http://schemas.microsoft.com/office/drawing/2014/main" id="{3A181BEE-7017-0777-341A-37BE6085AC6A}"/>
               </a:ext>
             </a:extLst>
           </p:cNvPr>
@@ -5208,8 +5212,8 @@
         </p:nvSpPr>
         <p:spPr>
           <a:xfrm>
-            <a:off x="3871609" y="5291847"/>
-            <a:ext cx="4192621" cy="369332"/>
+            <a:off x="3083668" y="5933872"/>
+            <a:ext cx="4095345" cy="369332"/>
           </a:xfrm>
           <a:prstGeom prst="rect">
             <a:avLst/>
@@ -5228,7 +5232,7 @@
                   <a:schemeClr val="bg1"/>
                 </a:solidFill>
               </a:rPr>
-              <a:t>DFD LEVEL 0</a:t>
+              <a:t>LEVEL 1 DFD</a:t>
             </a:r>
           </a:p>
         </p:txBody>
@@ -5236,7 +5240,7 @@
     </p:spTree>
     <p:extLst>
       <p:ext uri="{BB962C8B-B14F-4D97-AF65-F5344CB8AC3E}">
-        <p14:creationId xmlns:p14="http://schemas.microsoft.com/office/powerpoint/2010/main" val="3443452163"/>
+        <p14:creationId xmlns:p14="http://schemas.microsoft.com/office/powerpoint/2010/main" val="1761976062"/>
       </p:ext>
     </p:extLst>
   </p:cSld>
@@ -5249,14 +5253,6 @@
 <file path=ppt/slides/slide14.xml><?xml version="1.0" encoding="utf-8"?>
 <p:sld xmlns:a="http://schemas.openxmlformats.org/drawingml/2006/main" xmlns:r="http://schemas.openxmlformats.org/officeDocument/2006/relationships" xmlns:p="http://schemas.openxmlformats.org/presentationml/2006/main">
   <p:cSld>
-    <p:bg>
-      <p:bgPr>
-        <a:solidFill>
-          <a:schemeClr val="bg1"/>
-        </a:solidFill>
-        <a:effectLst/>
-      </p:bgPr>
-    </p:bg>
     <p:spTree>
       <p:nvGrpSpPr>
         <p:cNvPr id="1" name=""/>
@@ -5273,214 +5269,305 @@
       </p:grpSpPr>
       <p:sp>
         <p:nvSpPr>
-          <p:cNvPr id="10" name="Rectangle 9">
-            <a:extLst>
-              <a:ext uri="{FF2B5EF4-FFF2-40B4-BE49-F238E27FC236}">
-                <a16:creationId xmlns:a16="http://schemas.microsoft.com/office/drawing/2014/main" id="{28BA90A1-6BEC-48B7-BBE0-88632622544A}"/>
-              </a:ext>
-              <a:ext uri="{C183D7F6-B498-43B3-948B-1728B52AA6E4}">
-                <adec:decorative xmlns:adec="http://schemas.microsoft.com/office/drawing/2017/decorative" val="1"/>
-              </a:ext>
-            </a:extLst>
-          </p:cNvPr>
-          <p:cNvSpPr>
-            <a:spLocks noGrp="1" noRot="1" noChangeAspect="1" noMove="1" noResize="1" noEditPoints="1" noAdjustHandles="1" noChangeArrowheads="1" noChangeShapeType="1" noTextEdit="1"/>
-          </p:cNvSpPr>
-          <p:nvPr>
-            <p:extLst>
-              <p:ext uri="{386F3935-93C4-4BCD-93E2-E3B085C9AB24}">
-                <p16:designElem xmlns:p16="http://schemas.microsoft.com/office/powerpoint/2015/main" val="1"/>
-              </p:ext>
-            </p:extLst>
+          <p:cNvPr id="2" name="Title 1">
+            <a:extLst>
+              <a:ext uri="{FF2B5EF4-FFF2-40B4-BE49-F238E27FC236}">
+                <a16:creationId xmlns:a16="http://schemas.microsoft.com/office/drawing/2014/main" id="{B312A421-3816-97D0-AD54-98F8C665D129}"/>
+              </a:ext>
+            </a:extLst>
+          </p:cNvPr>
+          <p:cNvSpPr>
+            <a:spLocks noGrp="1"/>
+          </p:cNvSpPr>
+          <p:nvPr>
+            <p:ph type="title"/>
           </p:nvPr>
         </p:nvSpPr>
         <p:spPr>
           <a:xfrm>
-            <a:off x="0" y="0"/>
-            <a:ext cx="12192000" cy="6858000"/>
+            <a:off x="1024128" y="585216"/>
+            <a:ext cx="9720072" cy="1111609"/>
           </a:xfrm>
-          <a:prstGeom prst="rect">
-            <a:avLst/>
-          </a:prstGeom>
-          <a:solidFill>
-            <a:schemeClr val="bg2"/>
-          </a:solidFill>
-          <a:ln>
-            <a:noFill/>
-          </a:ln>
         </p:spPr>
-        <p:style>
-          <a:lnRef idx="2">
-            <a:schemeClr val="accent1">
-              <a:shade val="50000"/>
-            </a:schemeClr>
-          </a:lnRef>
-          <a:fillRef idx="1">
-            <a:schemeClr val="accent1"/>
-          </a:fillRef>
-          <a:effectRef idx="0">
-            <a:schemeClr val="accent1"/>
-          </a:effectRef>
-          <a:fontRef idx="minor">
-            <a:schemeClr val="lt1"/>
-          </a:fontRef>
-        </p:style>
-        <p:txBody>
-          <a:bodyPr rtlCol="0" anchor="ctr"/>
-          <a:lstStyle/>
-          <a:p>
-            <a:pPr algn="ctr"/>
-            <a:endParaRPr lang="en-US"/>
-          </a:p>
-        </p:txBody>
-      </p:sp>
-      <p:sp>
-        <p:nvSpPr>
-          <p:cNvPr id="12" name="Rectangle 11">
-            <a:extLst>
-              <a:ext uri="{FF2B5EF4-FFF2-40B4-BE49-F238E27FC236}">
-                <a16:creationId xmlns:a16="http://schemas.microsoft.com/office/drawing/2014/main" id="{D7950F2D-29CC-4F1C-8AFA-D6AE15BFA243}"/>
-              </a:ext>
-              <a:ext uri="{C183D7F6-B498-43B3-948B-1728B52AA6E4}">
-                <adec:decorative xmlns:adec="http://schemas.microsoft.com/office/drawing/2017/decorative" val="1"/>
-              </a:ext>
-            </a:extLst>
-          </p:cNvPr>
-          <p:cNvSpPr>
-            <a:spLocks noGrp="1" noRot="1" noChangeAspect="1" noMove="1" noResize="1" noEditPoints="1" noAdjustHandles="1" noChangeArrowheads="1" noChangeShapeType="1" noTextEdit="1"/>
-          </p:cNvSpPr>
-          <p:nvPr>
-            <p:extLst>
-              <p:ext uri="{386F3935-93C4-4BCD-93E2-E3B085C9AB24}">
-                <p16:designElem xmlns:p16="http://schemas.microsoft.com/office/powerpoint/2015/main" val="1"/>
-              </p:ext>
-            </p:extLst>
+        <p:txBody>
+          <a:bodyPr/>
+          <a:lstStyle/>
+          <a:p>
+            <a:r>
+              <a:rPr lang="en-US" dirty="0"/>
+              <a:t>implementation</a:t>
+            </a:r>
+          </a:p>
+        </p:txBody>
+      </p:sp>
+      <p:sp>
+        <p:nvSpPr>
+          <p:cNvPr id="3" name="Content Placeholder 2">
+            <a:extLst>
+              <a:ext uri="{FF2B5EF4-FFF2-40B4-BE49-F238E27FC236}">
+                <a16:creationId xmlns:a16="http://schemas.microsoft.com/office/drawing/2014/main" id="{DAEF9DEE-E9E1-6CDE-0BA5-B15113E156EA}"/>
+              </a:ext>
+            </a:extLst>
+          </p:cNvPr>
+          <p:cNvSpPr>
+            <a:spLocks noGrp="1"/>
+          </p:cNvSpPr>
+          <p:nvPr>
+            <p:ph idx="1"/>
           </p:nvPr>
         </p:nvSpPr>
         <p:spPr>
           <a:xfrm>
-            <a:off x="477012" y="480060"/>
-            <a:ext cx="11237976" cy="5897880"/>
-          </a:xfrm>
-          <a:prstGeom prst="rect">
-            <a:avLst/>
-          </a:prstGeom>
-          <a:solidFill>
-            <a:srgbClr val="FFFFFF"/>
-          </a:solidFill>
-          <a:ln w="9525">
-            <a:noFill/>
-          </a:ln>
-          <a:effectLst>
-            <a:outerShdw blurRad="63500" dist="17780" dir="5400000" algn="t" rotWithShape="0">
-              <a:prstClr val="black">
-                <a:alpha val="43000"/>
-              </a:prstClr>
-            </a:outerShdw>
-          </a:effectLst>
-        </p:spPr>
-        <p:style>
-          <a:lnRef idx="2">
-            <a:schemeClr val="accent1">
-              <a:shade val="50000"/>
-            </a:schemeClr>
-          </a:lnRef>
-          <a:fillRef idx="1">
-            <a:schemeClr val="accent1"/>
-          </a:fillRef>
-          <a:effectRef idx="0">
-            <a:schemeClr val="accent1"/>
-          </a:effectRef>
-          <a:fontRef idx="minor">
-            <a:schemeClr val="lt1"/>
-          </a:fontRef>
-        </p:style>
-        <p:txBody>
-          <a:bodyPr rtlCol="0" anchor="ctr"/>
-          <a:lstStyle/>
-          <a:p>
-            <a:pPr algn="ctr"/>
-            <a:endParaRPr lang="en-US"/>
-          </a:p>
-        </p:txBody>
-      </p:sp>
-      <p:pic>
-        <p:nvPicPr>
-          <p:cNvPr id="5" name="Picture 4" descr="A black background with white squares&#10;&#10;Description automatically generated">
-            <a:extLst>
-              <a:ext uri="{FF2B5EF4-FFF2-40B4-BE49-F238E27FC236}">
-                <a16:creationId xmlns:a16="http://schemas.microsoft.com/office/drawing/2014/main" id="{2F643E43-7D8D-0801-A0E7-41B211063419}"/>
-              </a:ext>
-            </a:extLst>
-          </p:cNvPr>
-          <p:cNvPicPr>
-            <a:picLocks noChangeAspect="1"/>
-          </p:cNvPicPr>
-          <p:nvPr/>
-        </p:nvPicPr>
-        <p:blipFill>
-          <a:blip r:embed="rId2">
-            <a:extLst>
-              <a:ext uri="{28A0092B-C50C-407E-A947-70E740481C1C}">
-                <a14:useLocalDpi xmlns:a14="http://schemas.microsoft.com/office/drawing/2010/main" val="0"/>
-              </a:ext>
-            </a:extLst>
-          </a:blip>
-          <a:stretch>
-            <a:fillRect/>
-          </a:stretch>
-        </p:blipFill>
-        <p:spPr>
-          <a:xfrm>
-            <a:off x="2524804" y="480060"/>
-            <a:ext cx="7142392" cy="5571066"/>
-          </a:xfrm>
-          <a:prstGeom prst="rect">
-            <a:avLst/>
-          </a:prstGeom>
-        </p:spPr>
-      </p:pic>
-      <p:sp>
-        <p:nvSpPr>
-          <p:cNvPr id="2" name="Date Placeholder 1">
-            <a:extLst>
-              <a:ext uri="{FF2B5EF4-FFF2-40B4-BE49-F238E27FC236}">
-                <a16:creationId xmlns:a16="http://schemas.microsoft.com/office/drawing/2014/main" id="{074EF73C-1488-3D93-1AC3-716E320C1E28}"/>
-              </a:ext>
-            </a:extLst>
-          </p:cNvPr>
-          <p:cNvSpPr>
-            <a:spLocks noGrp="1"/>
-          </p:cNvSpPr>
-          <p:nvPr>
-            <p:ph type="dt" sz="half" idx="10"/>
-          </p:nvPr>
-        </p:nvSpPr>
-        <p:spPr>
-          <a:xfrm>
-            <a:off x="1024129" y="6470704"/>
-            <a:ext cx="2154143" cy="274320"/>
+            <a:off x="1024128" y="1696825"/>
+            <a:ext cx="9720073" cy="4612535"/>
           </a:xfrm>
         </p:spPr>
         <p:txBody>
           <a:bodyPr>
-            <a:normAutofit/>
+            <a:normAutofit fontScale="77500" lnSpcReduction="20000"/>
           </a:bodyPr>
           <a:lstStyle/>
           <a:p>
-            <a:pPr>
+            <a:r>
+              <a:rPr lang="en-US" dirty="0"/>
+              <a:t>TOOLS USED:</a:t>
+            </a:r>
+          </a:p>
+          <a:p>
+            <a:pPr marL="342900" marR="0" lvl="0" indent="-342900">
+              <a:lnSpc>
+                <a:spcPct val="150000"/>
+              </a:lnSpc>
+              <a:spcBef>
+                <a:spcPts val="1190"/>
+              </a:spcBef>
               <a:spcAft>
-                <a:spcPts val="600"/>
+                <a:spcPts val="0"/>
               </a:spcAft>
+              <a:buSzPts val="1200"/>
+              <a:buFont typeface="Symbol" panose="05050102010706020507" pitchFamily="18" charset="2"/>
+              <a:buChar char=""/>
             </a:pPr>
-            <a:fld id="{6D80F7F3-E406-44E2-93AF-674B3F1A2E51}" type="datetime1">
+            <a:r>
+              <a:rPr lang="en-US" sz="2400" dirty="0">
+                <a:effectLst/>
+                <a:latin typeface="Times New Roman" panose="02020603050405020304" pitchFamily="18" charset="0"/>
+                <a:ea typeface="Symbol" panose="05050102010706020507" pitchFamily="18" charset="2"/>
+                <a:cs typeface="Symbol" panose="05050102010706020507" pitchFamily="18" charset="2"/>
+              </a:rPr>
+              <a:t>Draw.io</a:t>
+            </a:r>
+          </a:p>
+          <a:p>
+            <a:pPr marL="342900" marR="0" lvl="0" indent="-342900">
+              <a:lnSpc>
+                <a:spcPct val="150000"/>
+              </a:lnSpc>
+              <a:spcBef>
+                <a:spcPts val="1190"/>
+              </a:spcBef>
+              <a:spcAft>
+                <a:spcPts val="0"/>
+              </a:spcAft>
+              <a:buSzPts val="1200"/>
+              <a:buFont typeface="Symbol" panose="05050102010706020507" pitchFamily="18" charset="2"/>
+              <a:buChar char=""/>
+            </a:pPr>
+            <a:r>
+              <a:rPr lang="en-US" sz="2400" dirty="0">
+                <a:effectLst/>
+                <a:latin typeface="Times New Roman" panose="02020603050405020304" pitchFamily="18" charset="0"/>
+                <a:ea typeface="Symbol" panose="05050102010706020507" pitchFamily="18" charset="2"/>
+                <a:cs typeface="Symbol" panose="05050102010706020507" pitchFamily="18" charset="2"/>
+              </a:rPr>
+              <a:t>Gantt Project</a:t>
+            </a:r>
+          </a:p>
+          <a:p>
+            <a:pPr marL="342900" marR="0" lvl="0" indent="-342900">
+              <a:lnSpc>
+                <a:spcPct val="150000"/>
+              </a:lnSpc>
+              <a:spcBef>
+                <a:spcPts val="1190"/>
+              </a:spcBef>
+              <a:spcAft>
+                <a:spcPts val="0"/>
+              </a:spcAft>
+              <a:buSzPts val="1200"/>
+              <a:buFont typeface="Symbol" panose="05050102010706020507" pitchFamily="18" charset="2"/>
+              <a:buChar char=""/>
+            </a:pPr>
+            <a:r>
+              <a:rPr lang="en-US" sz="2400" dirty="0">
+                <a:effectLst/>
+                <a:latin typeface="Times New Roman" panose="02020603050405020304" pitchFamily="18" charset="0"/>
+                <a:ea typeface="Symbol" panose="05050102010706020507" pitchFamily="18" charset="2"/>
+                <a:cs typeface="Symbol" panose="05050102010706020507" pitchFamily="18" charset="2"/>
+              </a:rPr>
+              <a:t>PHP</a:t>
+            </a:r>
+          </a:p>
+          <a:p>
+            <a:pPr marL="342900" marR="0" lvl="0" indent="-342900">
+              <a:lnSpc>
+                <a:spcPct val="150000"/>
+              </a:lnSpc>
+              <a:spcBef>
+                <a:spcPts val="1190"/>
+              </a:spcBef>
+              <a:spcAft>
+                <a:spcPts val="0"/>
+              </a:spcAft>
+              <a:buSzPts val="1200"/>
+              <a:buFont typeface="Symbol" panose="05050102010706020507" pitchFamily="18" charset="2"/>
+              <a:buChar char=""/>
+            </a:pPr>
+            <a:r>
+              <a:rPr lang="en-US" sz="2400" dirty="0">
+                <a:effectLst/>
+                <a:latin typeface="Times New Roman" panose="02020603050405020304" pitchFamily="18" charset="0"/>
+                <a:ea typeface="Symbol" panose="05050102010706020507" pitchFamily="18" charset="2"/>
+                <a:cs typeface="Symbol" panose="05050102010706020507" pitchFamily="18" charset="2"/>
+              </a:rPr>
+              <a:t>MySQL</a:t>
+            </a:r>
+          </a:p>
+          <a:p>
+            <a:pPr marL="342900" marR="0" lvl="0" indent="-342900">
+              <a:lnSpc>
+                <a:spcPct val="150000"/>
+              </a:lnSpc>
+              <a:spcBef>
+                <a:spcPts val="1190"/>
+              </a:spcBef>
+              <a:spcAft>
+                <a:spcPts val="0"/>
+              </a:spcAft>
+              <a:buSzPts val="1200"/>
+              <a:buFont typeface="Symbol" panose="05050102010706020507" pitchFamily="18" charset="2"/>
+              <a:buChar char=""/>
+            </a:pPr>
+            <a:r>
+              <a:rPr lang="en-US" sz="2400" dirty="0">
+                <a:effectLst/>
+                <a:latin typeface="Times New Roman" panose="02020603050405020304" pitchFamily="18" charset="0"/>
+                <a:ea typeface="Symbol" panose="05050102010706020507" pitchFamily="18" charset="2"/>
+                <a:cs typeface="Symbol" panose="05050102010706020507" pitchFamily="18" charset="2"/>
+              </a:rPr>
+              <a:t>Java script</a:t>
+            </a:r>
+          </a:p>
+          <a:p>
+            <a:pPr marL="342900" marR="0" lvl="0" indent="-342900">
+              <a:lnSpc>
+                <a:spcPct val="150000"/>
+              </a:lnSpc>
+              <a:spcBef>
+                <a:spcPts val="1190"/>
+              </a:spcBef>
+              <a:spcAft>
+                <a:spcPts val="0"/>
+              </a:spcAft>
+              <a:buSzPts val="1200"/>
+              <a:buFont typeface="Symbol" panose="05050102010706020507" pitchFamily="18" charset="2"/>
+              <a:buChar char=""/>
+            </a:pPr>
+            <a:r>
+              <a:rPr lang="en-US" sz="2400" dirty="0" err="1">
+                <a:effectLst/>
+                <a:latin typeface="Times New Roman" panose="02020603050405020304" pitchFamily="18" charset="0"/>
+                <a:ea typeface="Symbol" panose="05050102010706020507" pitchFamily="18" charset="2"/>
+                <a:cs typeface="Symbol" panose="05050102010706020507" pitchFamily="18" charset="2"/>
+              </a:rPr>
+              <a:t>Xampp</a:t>
+            </a:r>
+            <a:endParaRPr lang="en-US" sz="2400" dirty="0">
+              <a:effectLst/>
+              <a:latin typeface="Times New Roman" panose="02020603050405020304" pitchFamily="18" charset="0"/>
+              <a:ea typeface="Symbol" panose="05050102010706020507" pitchFamily="18" charset="2"/>
+              <a:cs typeface="Symbol" panose="05050102010706020507" pitchFamily="18" charset="2"/>
+            </a:endParaRPr>
+          </a:p>
+          <a:p>
+            <a:pPr marL="342900" marR="0" lvl="0" indent="-342900">
+              <a:lnSpc>
+                <a:spcPct val="150000"/>
+              </a:lnSpc>
+              <a:spcBef>
+                <a:spcPts val="1190"/>
+              </a:spcBef>
+              <a:spcAft>
+                <a:spcPts val="0"/>
+              </a:spcAft>
+              <a:buSzPts val="1200"/>
+              <a:buFont typeface="Symbol" panose="05050102010706020507" pitchFamily="18" charset="2"/>
+              <a:buChar char=""/>
+            </a:pPr>
+            <a:r>
+              <a:rPr lang="en-US" sz="2400" dirty="0">
+                <a:effectLst/>
+                <a:latin typeface="Times New Roman" panose="02020603050405020304" pitchFamily="18" charset="0"/>
+                <a:ea typeface="Symbol" panose="05050102010706020507" pitchFamily="18" charset="2"/>
+                <a:cs typeface="Symbol" panose="05050102010706020507" pitchFamily="18" charset="2"/>
+              </a:rPr>
+              <a:t>VS code</a:t>
+            </a:r>
+          </a:p>
+          <a:p>
+            <a:pPr marL="342900" marR="0" lvl="0" indent="-342900">
+              <a:lnSpc>
+                <a:spcPct val="150000"/>
+              </a:lnSpc>
+              <a:spcBef>
+                <a:spcPts val="1190"/>
+              </a:spcBef>
+              <a:spcAft>
+                <a:spcPts val="0"/>
+              </a:spcAft>
+              <a:buSzPts val="1200"/>
+              <a:buFont typeface="Symbol" panose="05050102010706020507" pitchFamily="18" charset="2"/>
+              <a:buChar char=""/>
+            </a:pPr>
+            <a:r>
+              <a:rPr lang="en-US" sz="2400" dirty="0">
+                <a:effectLst/>
+                <a:latin typeface="Times New Roman" panose="02020603050405020304" pitchFamily="18" charset="0"/>
+                <a:ea typeface="Symbol" panose="05050102010706020507" pitchFamily="18" charset="2"/>
+                <a:cs typeface="Symbol" panose="05050102010706020507" pitchFamily="18" charset="2"/>
+              </a:rPr>
+              <a:t>Figma</a:t>
+            </a:r>
+          </a:p>
+          <a:p>
+            <a:endParaRPr lang="en-US" dirty="0"/>
+          </a:p>
+        </p:txBody>
+      </p:sp>
+      <p:sp>
+        <p:nvSpPr>
+          <p:cNvPr id="4" name="Date Placeholder 3">
+            <a:extLst>
+              <a:ext uri="{FF2B5EF4-FFF2-40B4-BE49-F238E27FC236}">
+                <a16:creationId xmlns:a16="http://schemas.microsoft.com/office/drawing/2014/main" id="{DBD8191D-FB5E-5D5C-DFEA-9082FBEB473F}"/>
+              </a:ext>
+            </a:extLst>
+          </p:cNvPr>
+          <p:cNvSpPr>
+            <a:spLocks noGrp="1"/>
+          </p:cNvSpPr>
+          <p:nvPr>
+            <p:ph type="dt" sz="half" idx="10"/>
+          </p:nvPr>
+        </p:nvSpPr>
+        <p:spPr/>
+        <p:txBody>
+          <a:bodyPr/>
+          <a:lstStyle/>
+          <a:p>
+            <a:fld id="{579F6069-8263-4296-913A-BC2234E8D32B}" type="datetime1">
               <a:rPr lang="en-US" smtClean="0"/>
-              <a:pPr>
-                <a:spcAft>
-                  <a:spcPts val="600"/>
-                </a:spcAft>
-              </a:pPr>
-              <a:t>5/10/2024</a:t>
+              <a:t>5/11/2024</a:t>
             </a:fld>
             <a:endParaRPr lang="en-US"/>
           </a:p>
@@ -5488,10 +5575,10 @@
       </p:sp>
       <p:sp>
         <p:nvSpPr>
-          <p:cNvPr id="3" name="Footer Placeholder 2">
-            <a:extLst>
-              <a:ext uri="{FF2B5EF4-FFF2-40B4-BE49-F238E27FC236}">
-                <a16:creationId xmlns:a16="http://schemas.microsoft.com/office/drawing/2014/main" id="{DF834AC9-A822-4E9C-9479-80BDD31DAC4C}"/>
+          <p:cNvPr id="5" name="Footer Placeholder 4">
+            <a:extLst>
+              <a:ext uri="{FF2B5EF4-FFF2-40B4-BE49-F238E27FC236}">
+                <a16:creationId xmlns:a16="http://schemas.microsoft.com/office/drawing/2014/main" id="{F30BB8BD-A468-756E-EDCA-8220932FA193}"/>
               </a:ext>
             </a:extLst>
           </p:cNvPr>
@@ -5502,23 +5589,11 @@
             <p:ph type="ftr" sz="quarter" idx="11"/>
           </p:nvPr>
         </p:nvSpPr>
-        <p:spPr>
-          <a:xfrm>
-            <a:off x="4842932" y="6470704"/>
-            <a:ext cx="5901459" cy="274320"/>
-          </a:xfrm>
-        </p:spPr>
-        <p:txBody>
-          <a:bodyPr>
-            <a:normAutofit/>
-          </a:bodyPr>
-          <a:lstStyle/>
-          <a:p>
-            <a:pPr>
-              <a:spcAft>
-                <a:spcPts val="600"/>
-              </a:spcAft>
-            </a:pPr>
+        <p:spPr/>
+        <p:txBody>
+          <a:bodyPr/>
+          <a:lstStyle/>
+          <a:p>
             <a:r>
               <a:rPr lang="en-US"/>
               <a:t>Sample Footer Text</a:t>
@@ -5528,10 +5603,10 @@
       </p:sp>
       <p:sp>
         <p:nvSpPr>
-          <p:cNvPr id="4" name="Slide Number Placeholder 3">
-            <a:extLst>
-              <a:ext uri="{FF2B5EF4-FFF2-40B4-BE49-F238E27FC236}">
-                <a16:creationId xmlns:a16="http://schemas.microsoft.com/office/drawing/2014/main" id="{5E3B36B5-07EA-44D8-DD5E-97730B25E0F3}"/>
+          <p:cNvPr id="6" name="Slide Number Placeholder 5">
+            <a:extLst>
+              <a:ext uri="{FF2B5EF4-FFF2-40B4-BE49-F238E27FC236}">
+                <a16:creationId xmlns:a16="http://schemas.microsoft.com/office/drawing/2014/main" id="{89FF64AB-77DC-3DB3-8B97-A7936B4D267C}"/>
               </a:ext>
             </a:extLst>
           </p:cNvPr>
@@ -5542,79 +5617,23 @@
             <p:ph type="sldNum" sz="quarter" idx="12"/>
           </p:nvPr>
         </p:nvSpPr>
-        <p:spPr>
-          <a:xfrm>
-            <a:off x="10837333" y="6470704"/>
-            <a:ext cx="973667" cy="274320"/>
-          </a:xfrm>
-        </p:spPr>
-        <p:txBody>
-          <a:bodyPr>
-            <a:normAutofit/>
-          </a:bodyPr>
-          <a:lstStyle/>
-          <a:p>
-            <a:pPr>
-              <a:spcAft>
-                <a:spcPts val="600"/>
-              </a:spcAft>
-            </a:pPr>
+        <p:spPr/>
+        <p:txBody>
+          <a:bodyPr/>
+          <a:lstStyle/>
+          <a:p>
             <a:fld id="{C68AC1EC-23E2-4F0E-A5A4-674EC8DB954E}" type="slidenum">
               <a:rPr lang="en-US" smtClean="0"/>
-              <a:pPr>
-                <a:spcAft>
-                  <a:spcPts val="600"/>
-                </a:spcAft>
-              </a:pPr>
               <a:t>14</a:t>
             </a:fld>
             <a:endParaRPr lang="en-US"/>
           </a:p>
         </p:txBody>
       </p:sp>
-      <p:sp>
-        <p:nvSpPr>
-          <p:cNvPr id="6" name="TextBox 5">
-            <a:extLst>
-              <a:ext uri="{FF2B5EF4-FFF2-40B4-BE49-F238E27FC236}">
-                <a16:creationId xmlns:a16="http://schemas.microsoft.com/office/drawing/2014/main" id="{3A181BEE-7017-0777-341A-37BE6085AC6A}"/>
-              </a:ext>
-            </a:extLst>
-          </p:cNvPr>
-          <p:cNvSpPr txBox="1"/>
-          <p:nvPr/>
-        </p:nvSpPr>
-        <p:spPr>
-          <a:xfrm>
-            <a:off x="3083668" y="5933872"/>
-            <a:ext cx="4095345" cy="369332"/>
-          </a:xfrm>
-          <a:prstGeom prst="rect">
-            <a:avLst/>
-          </a:prstGeom>
-          <a:noFill/>
-        </p:spPr>
-        <p:txBody>
-          <a:bodyPr wrap="square" rtlCol="0">
-            <a:spAutoFit/>
-          </a:bodyPr>
-          <a:lstStyle/>
-          <a:p>
-            <a:r>
-              <a:rPr lang="en-US" dirty="0">
-                <a:solidFill>
-                  <a:schemeClr val="bg1"/>
-                </a:solidFill>
-              </a:rPr>
-              <a:t>LEVEL 1 DFD</a:t>
-            </a:r>
-          </a:p>
-        </p:txBody>
-      </p:sp>
     </p:spTree>
     <p:extLst>
       <p:ext uri="{BB962C8B-B14F-4D97-AF65-F5344CB8AC3E}">
-        <p14:creationId xmlns:p14="http://schemas.microsoft.com/office/powerpoint/2010/main" val="1761976062"/>
+        <p14:creationId xmlns:p14="http://schemas.microsoft.com/office/powerpoint/2010/main" val="607417861"/>
       </p:ext>
     </p:extLst>
   </p:cSld>
@@ -5646,7 +5665,7 @@
           <p:cNvPr id="2" name="Title 1">
             <a:extLst>
               <a:ext uri="{FF2B5EF4-FFF2-40B4-BE49-F238E27FC236}">
-                <a16:creationId xmlns:a16="http://schemas.microsoft.com/office/drawing/2014/main" id="{B312A421-3816-97D0-AD54-98F8C665D129}"/>
+                <a16:creationId xmlns:a16="http://schemas.microsoft.com/office/drawing/2014/main" id="{91B34D9E-C9E7-0CF9-EC1B-8E827D45415D}"/>
               </a:ext>
             </a:extLst>
           </p:cNvPr>
@@ -5657,20 +5676,18 @@
             <p:ph type="title"/>
           </p:nvPr>
         </p:nvSpPr>
-        <p:spPr>
-          <a:xfrm>
-            <a:off x="1024128" y="585216"/>
-            <a:ext cx="9720072" cy="1111609"/>
-          </a:xfrm>
-        </p:spPr>
-        <p:txBody>
-          <a:bodyPr/>
-          <a:lstStyle/>
-          <a:p>
-            <a:r>
-              <a:rPr lang="en-US" dirty="0"/>
-              <a:t>implementation</a:t>
-            </a:r>
+        <p:spPr/>
+        <p:txBody>
+          <a:bodyPr/>
+          <a:lstStyle/>
+          <a:p>
+            <a:r>
+              <a:rPr lang="en-US" dirty="0">
+                <a:latin typeface="New Times "/>
+              </a:rPr>
+              <a:t>Lesson Learnt</a:t>
+            </a:r>
+            <a:endParaRPr lang="en-US" dirty="0"/>
           </a:p>
         </p:txBody>
       </p:sp>
@@ -5679,7 +5696,7 @@
           <p:cNvPr id="3" name="Content Placeholder 2">
             <a:extLst>
               <a:ext uri="{FF2B5EF4-FFF2-40B4-BE49-F238E27FC236}">
-                <a16:creationId xmlns:a16="http://schemas.microsoft.com/office/drawing/2014/main" id="{DAEF9DEE-E9E1-6CDE-0BA5-B15113E156EA}"/>
+                <a16:creationId xmlns:a16="http://schemas.microsoft.com/office/drawing/2014/main" id="{CF118269-D52F-712E-74B5-6B1D2180891D}"/>
               </a:ext>
             </a:extLst>
           </p:cNvPr>
@@ -5690,25 +5707,12 @@
             <p:ph idx="1"/>
           </p:nvPr>
         </p:nvSpPr>
-        <p:spPr>
-          <a:xfrm>
-            <a:off x="1024128" y="1696825"/>
-            <a:ext cx="9720073" cy="4612535"/>
-          </a:xfrm>
-        </p:spPr>
-        <p:txBody>
-          <a:bodyPr>
-            <a:normAutofit fontScale="77500" lnSpcReduction="20000"/>
-          </a:bodyPr>
-          <a:lstStyle/>
-          <a:p>
-            <a:r>
-              <a:rPr lang="en-US" dirty="0"/>
-              <a:t>TOOLS USED:</a:t>
-            </a:r>
-          </a:p>
-          <a:p>
-            <a:pPr marL="342900" marR="0" lvl="0" indent="-342900">
+        <p:spPr/>
+        <p:txBody>
+          <a:bodyPr/>
+          <a:lstStyle/>
+          <a:p>
+            <a:pPr marL="342900" marR="0" lvl="0" indent="-342900" algn="just">
               <a:lnSpc>
                 <a:spcPct val="150000"/>
               </a:lnSpc>
@@ -5718,22 +5722,20 @@
               <a:spcAft>
                 <a:spcPts val="0"/>
               </a:spcAft>
-              <a:buSzPts val="1200"/>
               <a:buFont typeface="Symbol" panose="05050102010706020507" pitchFamily="18" charset="2"/>
               <a:buChar char=""/>
             </a:pPr>
             <a:r>
-              <a:rPr lang="en-US" sz="2400" dirty="0">
+              <a:rPr lang="en-US" sz="1800" dirty="0">
                 <a:effectLst/>
                 <a:latin typeface="Times New Roman" panose="02020603050405020304" pitchFamily="18" charset="0"/>
-                <a:ea typeface="Symbol" panose="05050102010706020507" pitchFamily="18" charset="2"/>
-                <a:cs typeface="Symbol" panose="05050102010706020507" pitchFamily="18" charset="2"/>
+                <a:ea typeface="Times New Roman" panose="02020603050405020304" pitchFamily="18" charset="0"/>
               </a:rPr>
-              <a:t>Draw.io</a:t>
-            </a:r>
-          </a:p>
-          <a:p>
-            <a:pPr marL="342900" marR="0" lvl="0" indent="-342900">
+              <a:t>Learned about HTML, CSS, PHP, JavaScript and MySQL.</a:t>
+            </a:r>
+          </a:p>
+          <a:p>
+            <a:pPr marL="342900" marR="0" lvl="0" indent="-342900" algn="just">
               <a:lnSpc>
                 <a:spcPct val="150000"/>
               </a:lnSpc>
@@ -5743,22 +5745,20 @@
               <a:spcAft>
                 <a:spcPts val="0"/>
               </a:spcAft>
-              <a:buSzPts val="1200"/>
               <a:buFont typeface="Symbol" panose="05050102010706020507" pitchFamily="18" charset="2"/>
               <a:buChar char=""/>
             </a:pPr>
             <a:r>
-              <a:rPr lang="en-US" sz="2400" dirty="0">
+              <a:rPr lang="en-US" sz="1800" dirty="0">
                 <a:effectLst/>
                 <a:latin typeface="Times New Roman" panose="02020603050405020304" pitchFamily="18" charset="0"/>
-                <a:ea typeface="Symbol" panose="05050102010706020507" pitchFamily="18" charset="2"/>
-                <a:cs typeface="Symbol" panose="05050102010706020507" pitchFamily="18" charset="2"/>
+                <a:ea typeface="Times New Roman" panose="02020603050405020304" pitchFamily="18" charset="0"/>
               </a:rPr>
-              <a:t>Gantt Project</a:t>
-            </a:r>
-          </a:p>
-          <a:p>
-            <a:pPr marL="342900" marR="0" lvl="0" indent="-342900">
+              <a:t>Learned about research and literature review of system.</a:t>
+            </a:r>
+          </a:p>
+          <a:p>
+            <a:pPr marL="342900" marR="0" lvl="0" indent="-342900" algn="just">
               <a:lnSpc>
                 <a:spcPct val="150000"/>
               </a:lnSpc>
@@ -5768,22 +5768,20 @@
               <a:spcAft>
                 <a:spcPts val="0"/>
               </a:spcAft>
-              <a:buSzPts val="1200"/>
               <a:buFont typeface="Symbol" panose="05050102010706020507" pitchFamily="18" charset="2"/>
               <a:buChar char=""/>
             </a:pPr>
             <a:r>
-              <a:rPr lang="en-US" sz="2400" dirty="0">
+              <a:rPr lang="en-US" sz="1800" dirty="0">
                 <a:effectLst/>
                 <a:latin typeface="Times New Roman" panose="02020603050405020304" pitchFamily="18" charset="0"/>
-                <a:ea typeface="Symbol" panose="05050102010706020507" pitchFamily="18" charset="2"/>
-                <a:cs typeface="Symbol" panose="05050102010706020507" pitchFamily="18" charset="2"/>
+                <a:ea typeface="Times New Roman" panose="02020603050405020304" pitchFamily="18" charset="0"/>
               </a:rPr>
-              <a:t>PHP</a:t>
-            </a:r>
-          </a:p>
-          <a:p>
-            <a:pPr marL="342900" marR="0" lvl="0" indent="-342900">
+              <a:t>Learned to solve problems while testing.</a:t>
+            </a:r>
+          </a:p>
+          <a:p>
+            <a:pPr marL="342900" marR="0" lvl="0" indent="-342900" algn="just">
               <a:lnSpc>
                 <a:spcPct val="150000"/>
               </a:lnSpc>
@@ -5793,124 +5791,16 @@
               <a:spcAft>
                 <a:spcPts val="0"/>
               </a:spcAft>
-              <a:buSzPts val="1200"/>
               <a:buFont typeface="Symbol" panose="05050102010706020507" pitchFamily="18" charset="2"/>
               <a:buChar char=""/>
             </a:pPr>
             <a:r>
-              <a:rPr lang="en-US" sz="2400" dirty="0">
+              <a:rPr lang="en-US" sz="1800" dirty="0">
                 <a:effectLst/>
                 <a:latin typeface="Times New Roman" panose="02020603050405020304" pitchFamily="18" charset="0"/>
-                <a:ea typeface="Symbol" panose="05050102010706020507" pitchFamily="18" charset="2"/>
-                <a:cs typeface="Symbol" panose="05050102010706020507" pitchFamily="18" charset="2"/>
+                <a:ea typeface="Times New Roman" panose="02020603050405020304" pitchFamily="18" charset="0"/>
               </a:rPr>
-              <a:t>MySQL</a:t>
-            </a:r>
-          </a:p>
-          <a:p>
-            <a:pPr marL="342900" marR="0" lvl="0" indent="-342900">
-              <a:lnSpc>
-                <a:spcPct val="150000"/>
-              </a:lnSpc>
-              <a:spcBef>
-                <a:spcPts val="1190"/>
-              </a:spcBef>
-              <a:spcAft>
-                <a:spcPts val="0"/>
-              </a:spcAft>
-              <a:buSzPts val="1200"/>
-              <a:buFont typeface="Symbol" panose="05050102010706020507" pitchFamily="18" charset="2"/>
-              <a:buChar char=""/>
-            </a:pPr>
-            <a:r>
-              <a:rPr lang="en-US" sz="2400" dirty="0">
-                <a:effectLst/>
-                <a:latin typeface="Times New Roman" panose="02020603050405020304" pitchFamily="18" charset="0"/>
-                <a:ea typeface="Symbol" panose="05050102010706020507" pitchFamily="18" charset="2"/>
-                <a:cs typeface="Symbol" panose="05050102010706020507" pitchFamily="18" charset="2"/>
-              </a:rPr>
-              <a:t>Java script</a:t>
-            </a:r>
-          </a:p>
-          <a:p>
-            <a:pPr marL="342900" marR="0" lvl="0" indent="-342900">
-              <a:lnSpc>
-                <a:spcPct val="150000"/>
-              </a:lnSpc>
-              <a:spcBef>
-                <a:spcPts val="1190"/>
-              </a:spcBef>
-              <a:spcAft>
-                <a:spcPts val="0"/>
-              </a:spcAft>
-              <a:buSzPts val="1200"/>
-              <a:buFont typeface="Symbol" panose="05050102010706020507" pitchFamily="18" charset="2"/>
-              <a:buChar char=""/>
-            </a:pPr>
-            <a:r>
-              <a:rPr lang="en-US" sz="2400" dirty="0" err="1">
-                <a:effectLst/>
-                <a:latin typeface="Times New Roman" panose="02020603050405020304" pitchFamily="18" charset="0"/>
-                <a:ea typeface="Symbol" panose="05050102010706020507" pitchFamily="18" charset="2"/>
-                <a:cs typeface="Symbol" panose="05050102010706020507" pitchFamily="18" charset="2"/>
-              </a:rPr>
-              <a:t>Xampp</a:t>
-            </a:r>
-            <a:endParaRPr lang="en-US" sz="2400" dirty="0">
-              <a:effectLst/>
-              <a:latin typeface="Times New Roman" panose="02020603050405020304" pitchFamily="18" charset="0"/>
-              <a:ea typeface="Symbol" panose="05050102010706020507" pitchFamily="18" charset="2"/>
-              <a:cs typeface="Symbol" panose="05050102010706020507" pitchFamily="18" charset="2"/>
-            </a:endParaRPr>
-          </a:p>
-          <a:p>
-            <a:pPr marL="342900" marR="0" lvl="0" indent="-342900">
-              <a:lnSpc>
-                <a:spcPct val="150000"/>
-              </a:lnSpc>
-              <a:spcBef>
-                <a:spcPts val="1190"/>
-              </a:spcBef>
-              <a:spcAft>
-                <a:spcPts val="0"/>
-              </a:spcAft>
-              <a:buSzPts val="1200"/>
-              <a:buFont typeface="Symbol" panose="05050102010706020507" pitchFamily="18" charset="2"/>
-              <a:buChar char=""/>
-            </a:pPr>
-            <a:r>
-              <a:rPr lang="en-US" sz="2400" dirty="0">
-                <a:effectLst/>
-                <a:latin typeface="Times New Roman" panose="02020603050405020304" pitchFamily="18" charset="0"/>
-                <a:ea typeface="Symbol" panose="05050102010706020507" pitchFamily="18" charset="2"/>
-                <a:cs typeface="Symbol" panose="05050102010706020507" pitchFamily="18" charset="2"/>
-              </a:rPr>
-              <a:t>VS code</a:t>
-            </a:r>
-          </a:p>
-          <a:p>
-            <a:pPr marL="342900" marR="0" lvl="0" indent="-342900">
-              <a:lnSpc>
-                <a:spcPct val="150000"/>
-              </a:lnSpc>
-              <a:spcBef>
-                <a:spcPts val="1190"/>
-              </a:spcBef>
-              <a:spcAft>
-                <a:spcPts val="0"/>
-              </a:spcAft>
-              <a:buSzPts val="1200"/>
-              <a:buFont typeface="Symbol" panose="05050102010706020507" pitchFamily="18" charset="2"/>
-              <a:buChar char=""/>
-            </a:pPr>
-            <a:r>
-              <a:rPr lang="en-US" sz="2400" dirty="0">
-                <a:effectLst/>
-                <a:latin typeface="Times New Roman" panose="02020603050405020304" pitchFamily="18" charset="0"/>
-                <a:ea typeface="Symbol" panose="05050102010706020507" pitchFamily="18" charset="2"/>
-                <a:cs typeface="Symbol" panose="05050102010706020507" pitchFamily="18" charset="2"/>
-              </a:rPr>
-              <a:t>Figma</a:t>
+              <a:t>Learned to implement a CRUD operation in a system.</a:t>
             </a:r>
           </a:p>
           <a:p>
@@ -5923,7 +5813,7 @@
           <p:cNvPr id="4" name="Date Placeholder 3">
             <a:extLst>
               <a:ext uri="{FF2B5EF4-FFF2-40B4-BE49-F238E27FC236}">
-                <a16:creationId xmlns:a16="http://schemas.microsoft.com/office/drawing/2014/main" id="{DBD8191D-FB5E-5D5C-DFEA-9082FBEB473F}"/>
+                <a16:creationId xmlns:a16="http://schemas.microsoft.com/office/drawing/2014/main" id="{C1C22E0B-499A-A2A8-F3E0-098EF49E1484}"/>
               </a:ext>
             </a:extLst>
           </p:cNvPr>
@@ -5941,7 +5831,7 @@
           <a:p>
             <a:fld id="{579F6069-8263-4296-913A-BC2234E8D32B}" type="datetime1">
               <a:rPr lang="en-US" smtClean="0"/>
-              <a:t>5/10/2024</a:t>
+              <a:t>5/11/2024</a:t>
             </a:fld>
             <a:endParaRPr lang="en-US"/>
           </a:p>
@@ -5952,7 +5842,7 @@
           <p:cNvPr id="5" name="Footer Placeholder 4">
             <a:extLst>
               <a:ext uri="{FF2B5EF4-FFF2-40B4-BE49-F238E27FC236}">
-                <a16:creationId xmlns:a16="http://schemas.microsoft.com/office/drawing/2014/main" id="{F30BB8BD-A468-756E-EDCA-8220932FA193}"/>
+                <a16:creationId xmlns:a16="http://schemas.microsoft.com/office/drawing/2014/main" id="{7D490C83-95AC-2228-65DD-80786EC7D155}"/>
               </a:ext>
             </a:extLst>
           </p:cNvPr>
@@ -5980,7 +5870,7 @@
           <p:cNvPr id="6" name="Slide Number Placeholder 5">
             <a:extLst>
               <a:ext uri="{FF2B5EF4-FFF2-40B4-BE49-F238E27FC236}">
-                <a16:creationId xmlns:a16="http://schemas.microsoft.com/office/drawing/2014/main" id="{89FF64AB-77DC-3DB3-8B97-A7936B4D267C}"/>
+                <a16:creationId xmlns:a16="http://schemas.microsoft.com/office/drawing/2014/main" id="{EA5B31E6-A288-0DCC-F8C7-7F7F37759E1B}"/>
               </a:ext>
             </a:extLst>
           </p:cNvPr>
@@ -6007,7 +5897,7 @@
     </p:spTree>
     <p:extLst>
       <p:ext uri="{BB962C8B-B14F-4D97-AF65-F5344CB8AC3E}">
-        <p14:creationId xmlns:p14="http://schemas.microsoft.com/office/powerpoint/2010/main" val="607417861"/>
+        <p14:creationId xmlns:p14="http://schemas.microsoft.com/office/powerpoint/2010/main" val="2027416132"/>
       </p:ext>
     </p:extLst>
   </p:cSld>
@@ -6039,7 +5929,7 @@
           <p:cNvPr id="2" name="Title 1">
             <a:extLst>
               <a:ext uri="{FF2B5EF4-FFF2-40B4-BE49-F238E27FC236}">
-                <a16:creationId xmlns:a16="http://schemas.microsoft.com/office/drawing/2014/main" id="{91B34D9E-C9E7-0CF9-EC1B-8E827D45415D}"/>
+                <a16:creationId xmlns:a16="http://schemas.microsoft.com/office/drawing/2014/main" id="{C6D6DE11-8AB1-715D-9DB3-384C93D208A7}"/>
               </a:ext>
             </a:extLst>
           </p:cNvPr>
@@ -6056,12 +5946,9 @@
           <a:lstStyle/>
           <a:p>
             <a:r>
-              <a:rPr lang="en-US" dirty="0">
-                <a:latin typeface="New Times "/>
-              </a:rPr>
-              <a:t>Lesson Learnt</a:t>
-            </a:r>
-            <a:endParaRPr lang="en-US" dirty="0"/>
+              <a:rPr lang="en-US" dirty="0"/>
+              <a:t>CONCLUSION</a:t>
+            </a:r>
           </a:p>
         </p:txBody>
       </p:sp>
@@ -6070,7 +5957,7 @@
           <p:cNvPr id="3" name="Content Placeholder 2">
             <a:extLst>
               <a:ext uri="{FF2B5EF4-FFF2-40B4-BE49-F238E27FC236}">
-                <a16:creationId xmlns:a16="http://schemas.microsoft.com/office/drawing/2014/main" id="{CF118269-D52F-712E-74B5-6B1D2180891D}"/>
+                <a16:creationId xmlns:a16="http://schemas.microsoft.com/office/drawing/2014/main" id="{8F5FB055-F080-87EE-EAD4-2DDAB32D83D6}"/>
               </a:ext>
             </a:extLst>
           </p:cNvPr>
@@ -6081,127 +5968,66 @@
             <p:ph idx="1"/>
           </p:nvPr>
         </p:nvSpPr>
-        <p:spPr/>
-        <p:txBody>
-          <a:bodyPr/>
-          <a:lstStyle/>
-          <a:p>
-            <a:pPr marL="342900" marR="0" lvl="0" indent="-342900" algn="just">
-              <a:lnSpc>
-                <a:spcPct val="150000"/>
-              </a:lnSpc>
-              <a:spcBef>
-                <a:spcPts val="1190"/>
-              </a:spcBef>
-              <a:spcAft>
-                <a:spcPts val="0"/>
-              </a:spcAft>
-              <a:buFont typeface="Symbol" panose="05050102010706020507" pitchFamily="18" charset="2"/>
-              <a:buChar char=""/>
+        <p:spPr>
+          <a:xfrm>
+            <a:off x="1024128" y="1762812"/>
+            <a:ext cx="9720073" cy="4546548"/>
+          </a:xfrm>
+        </p:spPr>
+        <p:txBody>
+          <a:bodyPr>
+            <a:normAutofit/>
+          </a:bodyPr>
+          <a:lstStyle/>
+          <a:p>
+            <a:pPr>
+              <a:buFont typeface="Arial" panose="020B0604020202020204" pitchFamily="34" charset="0"/>
+              <a:buChar char="•"/>
             </a:pPr>
             <a:r>
-              <a:rPr lang="en-US" sz="1800" dirty="0">
-                <a:effectLst/>
-                <a:latin typeface="Times New Roman" panose="02020603050405020304" pitchFamily="18" charset="0"/>
-                <a:ea typeface="Times New Roman" panose="02020603050405020304" pitchFamily="18" charset="0"/>
-              </a:rPr>
-              <a:t>Learned about HTML, CSS, PHP, JavaScript and MySQL.</a:t>
-            </a:r>
-          </a:p>
-          <a:p>
-            <a:pPr marL="342900" marR="0" lvl="0" indent="-342900" algn="just">
-              <a:lnSpc>
-                <a:spcPct val="150000"/>
-              </a:lnSpc>
-              <a:spcBef>
-                <a:spcPts val="1190"/>
-              </a:spcBef>
-              <a:spcAft>
-                <a:spcPts val="0"/>
-              </a:spcAft>
-              <a:buFont typeface="Symbol" panose="05050102010706020507" pitchFamily="18" charset="2"/>
-              <a:buChar char=""/>
+              <a:rPr lang="en-US" sz="2000" dirty="0"/>
+              <a:t>Development of a web-based Online Bike Rental System.</a:t>
+            </a:r>
+          </a:p>
+          <a:p>
+            <a:pPr>
+              <a:buFont typeface="Arial" panose="020B0604020202020204" pitchFamily="34" charset="0"/>
+              <a:buChar char="•"/>
             </a:pPr>
             <a:r>
-              <a:rPr lang="en-US" sz="1800" dirty="0">
-                <a:effectLst/>
-                <a:latin typeface="Times New Roman" panose="02020603050405020304" pitchFamily="18" charset="0"/>
-                <a:ea typeface="Times New Roman" panose="02020603050405020304" pitchFamily="18" charset="0"/>
-              </a:rPr>
-              <a:t>Learned about how to connect all the modules.</a:t>
-            </a:r>
-          </a:p>
-          <a:p>
-            <a:pPr marL="342900" marR="0" lvl="0" indent="-342900" algn="just">
-              <a:lnSpc>
-                <a:spcPct val="150000"/>
-              </a:lnSpc>
-              <a:spcBef>
-                <a:spcPts val="1190"/>
-              </a:spcBef>
-              <a:spcAft>
-                <a:spcPts val="0"/>
-              </a:spcAft>
-              <a:buFont typeface="Symbol" panose="05050102010706020507" pitchFamily="18" charset="2"/>
-              <a:buChar char=""/>
+              <a:rPr lang="en-US" sz="2000" dirty="0"/>
+              <a:t>Successful implementation of all essential modules.</a:t>
+            </a:r>
+          </a:p>
+          <a:p>
+            <a:pPr>
+              <a:buFont typeface="Arial" panose="020B0604020202020204" pitchFamily="34" charset="0"/>
+              <a:buChar char="•"/>
             </a:pPr>
             <a:r>
-              <a:rPr lang="en-US" sz="1800" dirty="0">
-                <a:effectLst/>
-                <a:latin typeface="Times New Roman" panose="02020603050405020304" pitchFamily="18" charset="0"/>
-                <a:ea typeface="Times New Roman" panose="02020603050405020304" pitchFamily="18" charset="0"/>
-              </a:rPr>
-              <a:t>Learned about research and literature review of system.</a:t>
-            </a:r>
-          </a:p>
-          <a:p>
-            <a:pPr marL="342900" marR="0" lvl="0" indent="-342900" algn="just">
-              <a:lnSpc>
-                <a:spcPct val="150000"/>
-              </a:lnSpc>
-              <a:spcBef>
-                <a:spcPts val="1190"/>
-              </a:spcBef>
-              <a:spcAft>
-                <a:spcPts val="0"/>
-              </a:spcAft>
-              <a:buFont typeface="Symbol" panose="05050102010706020507" pitchFamily="18" charset="2"/>
-              <a:buChar char=""/>
+              <a:rPr lang="en-US" sz="2000" dirty="0"/>
+              <a:t>Customers can perform bike rentals through the web application.</a:t>
+            </a:r>
+          </a:p>
+          <a:p>
+            <a:pPr>
+              <a:buFont typeface="Arial" panose="020B0604020202020204" pitchFamily="34" charset="0"/>
+              <a:buChar char="•"/>
             </a:pPr>
             <a:r>
-              <a:rPr lang="en-US" sz="1800" dirty="0">
-                <a:effectLst/>
-                <a:latin typeface="Times New Roman" panose="02020603050405020304" pitchFamily="18" charset="0"/>
-                <a:ea typeface="Times New Roman" panose="02020603050405020304" pitchFamily="18" charset="0"/>
-              </a:rPr>
-              <a:t>Learned to solve problems while testing.</a:t>
-            </a:r>
-          </a:p>
-          <a:p>
-            <a:pPr marL="342900" marR="0" lvl="0" indent="-342900" algn="just">
-              <a:lnSpc>
-                <a:spcPct val="150000"/>
-              </a:lnSpc>
-              <a:spcBef>
-                <a:spcPts val="1190"/>
-              </a:spcBef>
-              <a:spcAft>
-                <a:spcPts val="0"/>
-              </a:spcAft>
-              <a:buFont typeface="Symbol" panose="05050102010706020507" pitchFamily="18" charset="2"/>
-              <a:buChar char=""/>
+              <a:rPr lang="en-US" sz="2000" dirty="0"/>
+              <a:t>Fulfillment of project objectives.</a:t>
+            </a:r>
+          </a:p>
+          <a:p>
+            <a:pPr>
+              <a:buFont typeface="Arial" panose="020B0604020202020204" pitchFamily="34" charset="0"/>
+              <a:buChar char="•"/>
             </a:pPr>
             <a:r>
-              <a:rPr lang="en-US" sz="1800" dirty="0">
-                <a:effectLst/>
-                <a:latin typeface="Times New Roman" panose="02020603050405020304" pitchFamily="18" charset="0"/>
-                <a:ea typeface="Times New Roman" panose="02020603050405020304" pitchFamily="18" charset="0"/>
-              </a:rPr>
-              <a:t>Learned to implement a CRUD operation in a system.</a:t>
-            </a:r>
-          </a:p>
-          <a:p>
-            <a:endParaRPr lang="en-US" dirty="0"/>
+              <a:rPr lang="en-US" sz="2000" dirty="0"/>
+              <a:t>Overall aim of the system is to offer reliable bike booking and rental services to customers anytime, anywhere which was fulfilled.</a:t>
+            </a:r>
           </a:p>
         </p:txBody>
       </p:sp>
@@ -6210,7 +6036,7 @@
           <p:cNvPr id="4" name="Date Placeholder 3">
             <a:extLst>
               <a:ext uri="{FF2B5EF4-FFF2-40B4-BE49-F238E27FC236}">
-                <a16:creationId xmlns:a16="http://schemas.microsoft.com/office/drawing/2014/main" id="{C1C22E0B-499A-A2A8-F3E0-098EF49E1484}"/>
+                <a16:creationId xmlns:a16="http://schemas.microsoft.com/office/drawing/2014/main" id="{0955D3D8-0683-CB6D-85F5-E7077F8F910E}"/>
               </a:ext>
             </a:extLst>
           </p:cNvPr>
@@ -6228,7 +6054,7 @@
           <a:p>
             <a:fld id="{579F6069-8263-4296-913A-BC2234E8D32B}" type="datetime1">
               <a:rPr lang="en-US" smtClean="0"/>
-              <a:t>5/10/2024</a:t>
+              <a:t>5/11/2024</a:t>
             </a:fld>
             <a:endParaRPr lang="en-US"/>
           </a:p>
@@ -6239,7 +6065,7 @@
           <p:cNvPr id="5" name="Footer Placeholder 4">
             <a:extLst>
               <a:ext uri="{FF2B5EF4-FFF2-40B4-BE49-F238E27FC236}">
-                <a16:creationId xmlns:a16="http://schemas.microsoft.com/office/drawing/2014/main" id="{7D490C83-95AC-2228-65DD-80786EC7D155}"/>
+                <a16:creationId xmlns:a16="http://schemas.microsoft.com/office/drawing/2014/main" id="{69AA0E8C-402F-F93B-BE89-EE63ECAF4127}"/>
               </a:ext>
             </a:extLst>
           </p:cNvPr>
@@ -6267,7 +6093,7 @@
           <p:cNvPr id="6" name="Slide Number Placeholder 5">
             <a:extLst>
               <a:ext uri="{FF2B5EF4-FFF2-40B4-BE49-F238E27FC236}">
-                <a16:creationId xmlns:a16="http://schemas.microsoft.com/office/drawing/2014/main" id="{EA5B31E6-A288-0DCC-F8C7-7F7F37759E1B}"/>
+                <a16:creationId xmlns:a16="http://schemas.microsoft.com/office/drawing/2014/main" id="{198EA1D5-8B61-3B8C-BC7A-9FA73A90B87B}"/>
               </a:ext>
             </a:extLst>
           </p:cNvPr>
@@ -6294,7 +6120,7 @@
     </p:spTree>
     <p:extLst>
       <p:ext uri="{BB962C8B-B14F-4D97-AF65-F5344CB8AC3E}">
-        <p14:creationId xmlns:p14="http://schemas.microsoft.com/office/powerpoint/2010/main" val="2027416132"/>
+        <p14:creationId xmlns:p14="http://schemas.microsoft.com/office/powerpoint/2010/main" val="1446066309"/>
       </p:ext>
     </p:extLst>
   </p:cSld>
@@ -6326,229 +6152,6 @@
           <p:cNvPr id="2" name="Title 1">
             <a:extLst>
               <a:ext uri="{FF2B5EF4-FFF2-40B4-BE49-F238E27FC236}">
-                <a16:creationId xmlns:a16="http://schemas.microsoft.com/office/drawing/2014/main" id="{C6D6DE11-8AB1-715D-9DB3-384C93D208A7}"/>
-              </a:ext>
-            </a:extLst>
-          </p:cNvPr>
-          <p:cNvSpPr>
-            <a:spLocks noGrp="1"/>
-          </p:cNvSpPr>
-          <p:nvPr>
-            <p:ph type="title"/>
-          </p:nvPr>
-        </p:nvSpPr>
-        <p:spPr/>
-        <p:txBody>
-          <a:bodyPr/>
-          <a:lstStyle/>
-          <a:p>
-            <a:r>
-              <a:rPr lang="en-US" dirty="0"/>
-              <a:t>CONCLUSION</a:t>
-            </a:r>
-          </a:p>
-        </p:txBody>
-      </p:sp>
-      <p:sp>
-        <p:nvSpPr>
-          <p:cNvPr id="3" name="Content Placeholder 2">
-            <a:extLst>
-              <a:ext uri="{FF2B5EF4-FFF2-40B4-BE49-F238E27FC236}">
-                <a16:creationId xmlns:a16="http://schemas.microsoft.com/office/drawing/2014/main" id="{8F5FB055-F080-87EE-EAD4-2DDAB32D83D6}"/>
-              </a:ext>
-            </a:extLst>
-          </p:cNvPr>
-          <p:cNvSpPr>
-            <a:spLocks noGrp="1"/>
-          </p:cNvSpPr>
-          <p:nvPr>
-            <p:ph idx="1"/>
-          </p:nvPr>
-        </p:nvSpPr>
-        <p:spPr>
-          <a:xfrm>
-            <a:off x="1024128" y="1762812"/>
-            <a:ext cx="9720073" cy="4546548"/>
-          </a:xfrm>
-        </p:spPr>
-        <p:txBody>
-          <a:bodyPr>
-            <a:normAutofit/>
-          </a:bodyPr>
-          <a:lstStyle/>
-          <a:p>
-            <a:pPr>
-              <a:buFont typeface="Arial" panose="020B0604020202020204" pitchFamily="34" charset="0"/>
-              <a:buChar char="•"/>
-            </a:pPr>
-            <a:r>
-              <a:rPr lang="en-US" sz="2000" dirty="0"/>
-              <a:t>Development of a web-based Online Bike Rental System.</a:t>
-            </a:r>
-          </a:p>
-          <a:p>
-            <a:pPr>
-              <a:buFont typeface="Arial" panose="020B0604020202020204" pitchFamily="34" charset="0"/>
-              <a:buChar char="•"/>
-            </a:pPr>
-            <a:r>
-              <a:rPr lang="en-US" sz="2000" dirty="0"/>
-              <a:t>Successful implementation of all essential modules.</a:t>
-            </a:r>
-          </a:p>
-          <a:p>
-            <a:pPr>
-              <a:buFont typeface="Arial" panose="020B0604020202020204" pitchFamily="34" charset="0"/>
-              <a:buChar char="•"/>
-            </a:pPr>
-            <a:r>
-              <a:rPr lang="en-US" sz="2000" dirty="0"/>
-              <a:t>Customers can perform bike rental transactions conveniently through the web application.</a:t>
-            </a:r>
-          </a:p>
-          <a:p>
-            <a:pPr>
-              <a:buFont typeface="Arial" panose="020B0604020202020204" pitchFamily="34" charset="0"/>
-              <a:buChar char="•"/>
-            </a:pPr>
-            <a:r>
-              <a:rPr lang="en-US" sz="2000" dirty="0"/>
-              <a:t>Fulfillment of project objectives.</a:t>
-            </a:r>
-          </a:p>
-          <a:p>
-            <a:pPr>
-              <a:buFont typeface="Arial" panose="020B0604020202020204" pitchFamily="34" charset="0"/>
-              <a:buChar char="•"/>
-            </a:pPr>
-            <a:r>
-              <a:rPr lang="en-US" sz="2000" dirty="0"/>
-              <a:t>Overall aim of the system is to offer reliable bike booking and rental services to customers anytime, anywhere.</a:t>
-            </a:r>
-          </a:p>
-        </p:txBody>
-      </p:sp>
-      <p:sp>
-        <p:nvSpPr>
-          <p:cNvPr id="4" name="Date Placeholder 3">
-            <a:extLst>
-              <a:ext uri="{FF2B5EF4-FFF2-40B4-BE49-F238E27FC236}">
-                <a16:creationId xmlns:a16="http://schemas.microsoft.com/office/drawing/2014/main" id="{0955D3D8-0683-CB6D-85F5-E7077F8F910E}"/>
-              </a:ext>
-            </a:extLst>
-          </p:cNvPr>
-          <p:cNvSpPr>
-            <a:spLocks noGrp="1"/>
-          </p:cNvSpPr>
-          <p:nvPr>
-            <p:ph type="dt" sz="half" idx="10"/>
-          </p:nvPr>
-        </p:nvSpPr>
-        <p:spPr/>
-        <p:txBody>
-          <a:bodyPr/>
-          <a:lstStyle/>
-          <a:p>
-            <a:fld id="{579F6069-8263-4296-913A-BC2234E8D32B}" type="datetime1">
-              <a:rPr lang="en-US" smtClean="0"/>
-              <a:t>5/10/2024</a:t>
-            </a:fld>
-            <a:endParaRPr lang="en-US"/>
-          </a:p>
-        </p:txBody>
-      </p:sp>
-      <p:sp>
-        <p:nvSpPr>
-          <p:cNvPr id="5" name="Footer Placeholder 4">
-            <a:extLst>
-              <a:ext uri="{FF2B5EF4-FFF2-40B4-BE49-F238E27FC236}">
-                <a16:creationId xmlns:a16="http://schemas.microsoft.com/office/drawing/2014/main" id="{69AA0E8C-402F-F93B-BE89-EE63ECAF4127}"/>
-              </a:ext>
-            </a:extLst>
-          </p:cNvPr>
-          <p:cNvSpPr>
-            <a:spLocks noGrp="1"/>
-          </p:cNvSpPr>
-          <p:nvPr>
-            <p:ph type="ftr" sz="quarter" idx="11"/>
-          </p:nvPr>
-        </p:nvSpPr>
-        <p:spPr/>
-        <p:txBody>
-          <a:bodyPr/>
-          <a:lstStyle/>
-          <a:p>
-            <a:r>
-              <a:rPr lang="en-US"/>
-              <a:t>Sample Footer Text</a:t>
-            </a:r>
-          </a:p>
-        </p:txBody>
-      </p:sp>
-      <p:sp>
-        <p:nvSpPr>
-          <p:cNvPr id="6" name="Slide Number Placeholder 5">
-            <a:extLst>
-              <a:ext uri="{FF2B5EF4-FFF2-40B4-BE49-F238E27FC236}">
-                <a16:creationId xmlns:a16="http://schemas.microsoft.com/office/drawing/2014/main" id="{198EA1D5-8B61-3B8C-BC7A-9FA73A90B87B}"/>
-              </a:ext>
-            </a:extLst>
-          </p:cNvPr>
-          <p:cNvSpPr>
-            <a:spLocks noGrp="1"/>
-          </p:cNvSpPr>
-          <p:nvPr>
-            <p:ph type="sldNum" sz="quarter" idx="12"/>
-          </p:nvPr>
-        </p:nvSpPr>
-        <p:spPr/>
-        <p:txBody>
-          <a:bodyPr/>
-          <a:lstStyle/>
-          <a:p>
-            <a:fld id="{C68AC1EC-23E2-4F0E-A5A4-674EC8DB954E}" type="slidenum">
-              <a:rPr lang="en-US" smtClean="0"/>
-              <a:t>17</a:t>
-            </a:fld>
-            <a:endParaRPr lang="en-US"/>
-          </a:p>
-        </p:txBody>
-      </p:sp>
-    </p:spTree>
-    <p:extLst>
-      <p:ext uri="{BB962C8B-B14F-4D97-AF65-F5344CB8AC3E}">
-        <p14:creationId xmlns:p14="http://schemas.microsoft.com/office/powerpoint/2010/main" val="1446066309"/>
-      </p:ext>
-    </p:extLst>
-  </p:cSld>
-  <p:clrMapOvr>
-    <a:masterClrMapping/>
-  </p:clrMapOvr>
-</p:sld>
-</file>
-
-<file path=ppt/slides/slide18.xml><?xml version="1.0" encoding="utf-8"?>
-<p:sld xmlns:a="http://schemas.openxmlformats.org/drawingml/2006/main" xmlns:r="http://schemas.openxmlformats.org/officeDocument/2006/relationships" xmlns:p="http://schemas.openxmlformats.org/presentationml/2006/main">
-  <p:cSld>
-    <p:spTree>
-      <p:nvGrpSpPr>
-        <p:cNvPr id="1" name=""/>
-        <p:cNvGrpSpPr/>
-        <p:nvPr/>
-      </p:nvGrpSpPr>
-      <p:grpSpPr>
-        <a:xfrm>
-          <a:off x="0" y="0"/>
-          <a:ext cx="0" cy="0"/>
-          <a:chOff x="0" y="0"/>
-          <a:chExt cx="0" cy="0"/>
-        </a:xfrm>
-      </p:grpSpPr>
-      <p:sp>
-        <p:nvSpPr>
-          <p:cNvPr id="2" name="Title 1">
-            <a:extLst>
-              <a:ext uri="{FF2B5EF4-FFF2-40B4-BE49-F238E27FC236}">
                 <a16:creationId xmlns:a16="http://schemas.microsoft.com/office/drawing/2014/main" id="{DCB9674A-A3ED-7C2A-68C0-E6AC5F999E63}"/>
               </a:ext>
             </a:extLst>
@@ -6689,7 +6292,7 @@
           <a:p>
             <a:fld id="{579F6069-8263-4296-913A-BC2234E8D32B}" type="datetime1">
               <a:rPr lang="en-US" smtClean="0"/>
-              <a:t>5/10/2024</a:t>
+              <a:t>5/11/2024</a:t>
             </a:fld>
             <a:endParaRPr lang="en-US"/>
           </a:p>
@@ -6746,7 +6349,7 @@
           <a:p>
             <a:fld id="{C68AC1EC-23E2-4F0E-A5A4-674EC8DB954E}" type="slidenum">
               <a:rPr lang="en-US" smtClean="0"/>
-              <a:t>18</a:t>
+              <a:t>17</a:t>
             </a:fld>
             <a:endParaRPr lang="en-US"/>
           </a:p>
@@ -6765,7 +6368,7 @@
 </p:sld>
 </file>
 
-<file path=ppt/slides/slide19.xml><?xml version="1.0" encoding="utf-8"?>
+<file path=ppt/slides/slide18.xml><?xml version="1.0" encoding="utf-8"?>
 <p:sld xmlns:a="http://schemas.openxmlformats.org/drawingml/2006/main" xmlns:r="http://schemas.openxmlformats.org/officeDocument/2006/relationships" xmlns:p="http://schemas.openxmlformats.org/presentationml/2006/main">
   <p:cSld>
     <p:spTree>
@@ -7266,7 +6869,7 @@
           <a:p>
             <a:fld id="{579F6069-8263-4296-913A-BC2234E8D32B}" type="datetime1">
               <a:rPr lang="en-US" smtClean="0"/>
-              <a:t>5/10/2024</a:t>
+              <a:t>5/11/2024</a:t>
             </a:fld>
             <a:endParaRPr lang="en-US"/>
           </a:p>
@@ -7306,6 +6909,150 @@
             <a:extLst>
               <a:ext uri="{FF2B5EF4-FFF2-40B4-BE49-F238E27FC236}">
                 <a16:creationId xmlns:a16="http://schemas.microsoft.com/office/drawing/2014/main" id="{1A5048E5-A95B-98F4-3A2B-FB75AED3F29A}"/>
+              </a:ext>
+            </a:extLst>
+          </p:cNvPr>
+          <p:cNvSpPr>
+            <a:spLocks noGrp="1"/>
+          </p:cNvSpPr>
+          <p:nvPr>
+            <p:ph type="sldNum" sz="quarter" idx="12"/>
+          </p:nvPr>
+        </p:nvSpPr>
+        <p:spPr/>
+        <p:txBody>
+          <a:bodyPr/>
+          <a:lstStyle/>
+          <a:p>
+            <a:fld id="{C68AC1EC-23E2-4F0E-A5A4-674EC8DB954E}" type="slidenum">
+              <a:rPr lang="en-US" smtClean="0"/>
+              <a:t>18</a:t>
+            </a:fld>
+            <a:endParaRPr lang="en-US"/>
+          </a:p>
+        </p:txBody>
+      </p:sp>
+    </p:spTree>
+    <p:extLst>
+      <p:ext uri="{BB962C8B-B14F-4D97-AF65-F5344CB8AC3E}">
+        <p14:creationId xmlns:p14="http://schemas.microsoft.com/office/powerpoint/2010/main" val="1153388073"/>
+      </p:ext>
+    </p:extLst>
+  </p:cSld>
+  <p:clrMapOvr>
+    <a:masterClrMapping/>
+  </p:clrMapOvr>
+</p:sld>
+</file>
+
+<file path=ppt/slides/slide19.xml><?xml version="1.0" encoding="utf-8"?>
+<p:sld xmlns:a="http://schemas.openxmlformats.org/drawingml/2006/main" xmlns:r="http://schemas.openxmlformats.org/officeDocument/2006/relationships" xmlns:p="http://schemas.openxmlformats.org/presentationml/2006/main">
+  <p:cSld>
+    <p:spTree>
+      <p:nvGrpSpPr>
+        <p:cNvPr id="1" name=""/>
+        <p:cNvGrpSpPr/>
+        <p:nvPr/>
+      </p:nvGrpSpPr>
+      <p:grpSpPr>
+        <a:xfrm>
+          <a:off x="0" y="0"/>
+          <a:ext cx="0" cy="0"/>
+          <a:chOff x="0" y="0"/>
+          <a:chExt cx="0" cy="0"/>
+        </a:xfrm>
+      </p:grpSpPr>
+      <p:sp>
+        <p:nvSpPr>
+          <p:cNvPr id="2" name="Title 1">
+            <a:extLst>
+              <a:ext uri="{FF2B5EF4-FFF2-40B4-BE49-F238E27FC236}">
+                <a16:creationId xmlns:a16="http://schemas.microsoft.com/office/drawing/2014/main" id="{CFCE350C-C6D2-F127-E638-6BED28AD6000}"/>
+              </a:ext>
+            </a:extLst>
+          </p:cNvPr>
+          <p:cNvSpPr>
+            <a:spLocks noGrp="1"/>
+          </p:cNvSpPr>
+          <p:nvPr>
+            <p:ph type="title"/>
+          </p:nvPr>
+        </p:nvSpPr>
+        <p:spPr/>
+        <p:txBody>
+          <a:bodyPr/>
+          <a:lstStyle/>
+          <a:p>
+            <a:r>
+              <a:rPr lang="en-US" dirty="0"/>
+              <a:t>THANK YOU</a:t>
+            </a:r>
+          </a:p>
+        </p:txBody>
+      </p:sp>
+      <p:sp>
+        <p:nvSpPr>
+          <p:cNvPr id="3" name="Date Placeholder 2">
+            <a:extLst>
+              <a:ext uri="{FF2B5EF4-FFF2-40B4-BE49-F238E27FC236}">
+                <a16:creationId xmlns:a16="http://schemas.microsoft.com/office/drawing/2014/main" id="{F65739C9-4157-6CA4-DDB5-83DFEEF749BE}"/>
+              </a:ext>
+            </a:extLst>
+          </p:cNvPr>
+          <p:cNvSpPr>
+            <a:spLocks noGrp="1"/>
+          </p:cNvSpPr>
+          <p:nvPr>
+            <p:ph type="dt" sz="half" idx="10"/>
+          </p:nvPr>
+        </p:nvSpPr>
+        <p:spPr/>
+        <p:txBody>
+          <a:bodyPr/>
+          <a:lstStyle/>
+          <a:p>
+            <a:fld id="{5892AC11-ACC3-4129-BBD7-C580BF1A4EE7}" type="datetime1">
+              <a:rPr lang="en-US" smtClean="0"/>
+              <a:t>5/11/2024</a:t>
+            </a:fld>
+            <a:endParaRPr lang="en-US"/>
+          </a:p>
+        </p:txBody>
+      </p:sp>
+      <p:sp>
+        <p:nvSpPr>
+          <p:cNvPr id="4" name="Footer Placeholder 3">
+            <a:extLst>
+              <a:ext uri="{FF2B5EF4-FFF2-40B4-BE49-F238E27FC236}">
+                <a16:creationId xmlns:a16="http://schemas.microsoft.com/office/drawing/2014/main" id="{99EAEC5B-8BCB-A718-A4B4-5D9A7D2EDF59}"/>
+              </a:ext>
+            </a:extLst>
+          </p:cNvPr>
+          <p:cNvSpPr>
+            <a:spLocks noGrp="1"/>
+          </p:cNvSpPr>
+          <p:nvPr>
+            <p:ph type="ftr" sz="quarter" idx="11"/>
+          </p:nvPr>
+        </p:nvSpPr>
+        <p:spPr/>
+        <p:txBody>
+          <a:bodyPr/>
+          <a:lstStyle/>
+          <a:p>
+            <a:r>
+              <a:rPr lang="en-US"/>
+              <a:t>Sample Footer Text</a:t>
+            </a:r>
+          </a:p>
+        </p:txBody>
+      </p:sp>
+      <p:sp>
+        <p:nvSpPr>
+          <p:cNvPr id="5" name="Slide Number Placeholder 4">
+            <a:extLst>
+              <a:ext uri="{FF2B5EF4-FFF2-40B4-BE49-F238E27FC236}">
+                <a16:creationId xmlns:a16="http://schemas.microsoft.com/office/drawing/2014/main" id="{972ADD1E-06EA-5000-E4CA-DCA0FBC092E4}"/>
               </a:ext>
             </a:extLst>
           </p:cNvPr>
@@ -7332,7 +7079,7 @@
     </p:spTree>
     <p:extLst>
       <p:ext uri="{BB962C8B-B14F-4D97-AF65-F5344CB8AC3E}">
-        <p14:creationId xmlns:p14="http://schemas.microsoft.com/office/powerpoint/2010/main" val="1153388073"/>
+        <p14:creationId xmlns:p14="http://schemas.microsoft.com/office/powerpoint/2010/main" val="2363982120"/>
       </p:ext>
     </p:extLst>
   </p:cSld>
@@ -7548,7 +7295,7 @@
                   <a:spcPts val="600"/>
                 </a:spcAft>
               </a:pPr>
-              <a:t>5/10/2024</a:t>
+              <a:t>5/11/2024</a:t>
             </a:fld>
             <a:endParaRPr lang="en-US">
               <a:solidFill>
@@ -7671,150 +7418,6 @@
 </p:sld>
 </file>
 
-<file path=ppt/slides/slide20.xml><?xml version="1.0" encoding="utf-8"?>
-<p:sld xmlns:a="http://schemas.openxmlformats.org/drawingml/2006/main" xmlns:r="http://schemas.openxmlformats.org/officeDocument/2006/relationships" xmlns:p="http://schemas.openxmlformats.org/presentationml/2006/main">
-  <p:cSld>
-    <p:spTree>
-      <p:nvGrpSpPr>
-        <p:cNvPr id="1" name=""/>
-        <p:cNvGrpSpPr/>
-        <p:nvPr/>
-      </p:nvGrpSpPr>
-      <p:grpSpPr>
-        <a:xfrm>
-          <a:off x="0" y="0"/>
-          <a:ext cx="0" cy="0"/>
-          <a:chOff x="0" y="0"/>
-          <a:chExt cx="0" cy="0"/>
-        </a:xfrm>
-      </p:grpSpPr>
-      <p:sp>
-        <p:nvSpPr>
-          <p:cNvPr id="2" name="Title 1">
-            <a:extLst>
-              <a:ext uri="{FF2B5EF4-FFF2-40B4-BE49-F238E27FC236}">
-                <a16:creationId xmlns:a16="http://schemas.microsoft.com/office/drawing/2014/main" id="{CFCE350C-C6D2-F127-E638-6BED28AD6000}"/>
-              </a:ext>
-            </a:extLst>
-          </p:cNvPr>
-          <p:cNvSpPr>
-            <a:spLocks noGrp="1"/>
-          </p:cNvSpPr>
-          <p:nvPr>
-            <p:ph type="title"/>
-          </p:nvPr>
-        </p:nvSpPr>
-        <p:spPr/>
-        <p:txBody>
-          <a:bodyPr/>
-          <a:lstStyle/>
-          <a:p>
-            <a:r>
-              <a:rPr lang="en-US" dirty="0"/>
-              <a:t>THANK YOU</a:t>
-            </a:r>
-          </a:p>
-        </p:txBody>
-      </p:sp>
-      <p:sp>
-        <p:nvSpPr>
-          <p:cNvPr id="3" name="Date Placeholder 2">
-            <a:extLst>
-              <a:ext uri="{FF2B5EF4-FFF2-40B4-BE49-F238E27FC236}">
-                <a16:creationId xmlns:a16="http://schemas.microsoft.com/office/drawing/2014/main" id="{F65739C9-4157-6CA4-DDB5-83DFEEF749BE}"/>
-              </a:ext>
-            </a:extLst>
-          </p:cNvPr>
-          <p:cNvSpPr>
-            <a:spLocks noGrp="1"/>
-          </p:cNvSpPr>
-          <p:nvPr>
-            <p:ph type="dt" sz="half" idx="10"/>
-          </p:nvPr>
-        </p:nvSpPr>
-        <p:spPr/>
-        <p:txBody>
-          <a:bodyPr/>
-          <a:lstStyle/>
-          <a:p>
-            <a:fld id="{5892AC11-ACC3-4129-BBD7-C580BF1A4EE7}" type="datetime1">
-              <a:rPr lang="en-US" smtClean="0"/>
-              <a:t>5/10/2024</a:t>
-            </a:fld>
-            <a:endParaRPr lang="en-US"/>
-          </a:p>
-        </p:txBody>
-      </p:sp>
-      <p:sp>
-        <p:nvSpPr>
-          <p:cNvPr id="4" name="Footer Placeholder 3">
-            <a:extLst>
-              <a:ext uri="{FF2B5EF4-FFF2-40B4-BE49-F238E27FC236}">
-                <a16:creationId xmlns:a16="http://schemas.microsoft.com/office/drawing/2014/main" id="{99EAEC5B-8BCB-A718-A4B4-5D9A7D2EDF59}"/>
-              </a:ext>
-            </a:extLst>
-          </p:cNvPr>
-          <p:cNvSpPr>
-            <a:spLocks noGrp="1"/>
-          </p:cNvSpPr>
-          <p:nvPr>
-            <p:ph type="ftr" sz="quarter" idx="11"/>
-          </p:nvPr>
-        </p:nvSpPr>
-        <p:spPr/>
-        <p:txBody>
-          <a:bodyPr/>
-          <a:lstStyle/>
-          <a:p>
-            <a:r>
-              <a:rPr lang="en-US"/>
-              <a:t>Sample Footer Text</a:t>
-            </a:r>
-          </a:p>
-        </p:txBody>
-      </p:sp>
-      <p:sp>
-        <p:nvSpPr>
-          <p:cNvPr id="5" name="Slide Number Placeholder 4">
-            <a:extLst>
-              <a:ext uri="{FF2B5EF4-FFF2-40B4-BE49-F238E27FC236}">
-                <a16:creationId xmlns:a16="http://schemas.microsoft.com/office/drawing/2014/main" id="{972ADD1E-06EA-5000-E4CA-DCA0FBC092E4}"/>
-              </a:ext>
-            </a:extLst>
-          </p:cNvPr>
-          <p:cNvSpPr>
-            <a:spLocks noGrp="1"/>
-          </p:cNvSpPr>
-          <p:nvPr>
-            <p:ph type="sldNum" sz="quarter" idx="12"/>
-          </p:nvPr>
-        </p:nvSpPr>
-        <p:spPr/>
-        <p:txBody>
-          <a:bodyPr/>
-          <a:lstStyle/>
-          <a:p>
-            <a:fld id="{C68AC1EC-23E2-4F0E-A5A4-674EC8DB954E}" type="slidenum">
-              <a:rPr lang="en-US" smtClean="0"/>
-              <a:t>20</a:t>
-            </a:fld>
-            <a:endParaRPr lang="en-US"/>
-          </a:p>
-        </p:txBody>
-      </p:sp>
-    </p:spTree>
-    <p:extLst>
-      <p:ext uri="{BB962C8B-B14F-4D97-AF65-F5344CB8AC3E}">
-        <p14:creationId xmlns:p14="http://schemas.microsoft.com/office/powerpoint/2010/main" val="2363982120"/>
-      </p:ext>
-    </p:extLst>
-  </p:cSld>
-  <p:clrMapOvr>
-    <a:masterClrMapping/>
-  </p:clrMapOvr>
-</p:sld>
-</file>
-
 <file path=ppt/slides/slide3.xml><?xml version="1.0" encoding="utf-8"?>
 <p:sld xmlns:a="http://schemas.openxmlformats.org/drawingml/2006/main" xmlns:r="http://schemas.openxmlformats.org/officeDocument/2006/relationships" xmlns:p="http://schemas.openxmlformats.org/presentationml/2006/main">
   <p:cSld>
@@ -8007,7 +7610,7 @@
           <a:p>
             <a:fld id="{579F6069-8263-4296-913A-BC2234E8D32B}" type="datetime1">
               <a:rPr lang="en-US" smtClean="0"/>
-              <a:t>5/10/2024</a:t>
+              <a:t>5/11/2024</a:t>
             </a:fld>
             <a:endParaRPr lang="en-US"/>
           </a:p>
@@ -8208,7 +7811,7 @@
           <a:p>
             <a:fld id="{579F6069-8263-4296-913A-BC2234E8D32B}" type="datetime1">
               <a:rPr lang="en-US" smtClean="0"/>
-              <a:t>5/10/2024</a:t>
+              <a:t>5/11/2024</a:t>
             </a:fld>
             <a:endParaRPr lang="en-US"/>
           </a:p>
@@ -8306,7 +7909,7 @@
           <p:cNvPr id="2" name="Title 1">
             <a:extLst>
               <a:ext uri="{FF2B5EF4-FFF2-40B4-BE49-F238E27FC236}">
-                <a16:creationId xmlns:a16="http://schemas.microsoft.com/office/drawing/2014/main" id="{AAC6E0FF-27F1-8E98-B1E8-E3E1EDF19C3A}"/>
+                <a16:creationId xmlns:a16="http://schemas.microsoft.com/office/drawing/2014/main" id="{1C13648F-C3AD-AEB7-E6F5-C5C15F1C4762}"/>
               </a:ext>
             </a:extLst>
           </p:cNvPr>
@@ -8323,7 +7926,7 @@
           <a:lstStyle/>
           <a:p>
             <a:r>
-              <a:rPr lang="en-US" kern="1200" dirty="0">
+              <a:rPr lang="en-US" sz="4800" kern="1200" dirty="0">
                 <a:solidFill>
                   <a:schemeClr val="tx1"/>
                 </a:solidFill>
@@ -8331,7 +7934,7 @@
                 <a:ea typeface="+mj-ea"/>
                 <a:cs typeface="+mj-cs"/>
               </a:rPr>
-              <a:t>Scope and limitation</a:t>
+              <a:t>Study of existing system</a:t>
             </a:r>
             <a:endParaRPr lang="en-US" dirty="0"/>
           </a:p>
@@ -8342,7 +7945,7 @@
           <p:cNvPr id="3" name="Content Placeholder 2">
             <a:extLst>
               <a:ext uri="{FF2B5EF4-FFF2-40B4-BE49-F238E27FC236}">
-                <a16:creationId xmlns:a16="http://schemas.microsoft.com/office/drawing/2014/main" id="{18318C2A-A5B8-9843-EFA5-68BFB1390D4E}"/>
+                <a16:creationId xmlns:a16="http://schemas.microsoft.com/office/drawing/2014/main" id="{A96CAACA-0B41-7497-F892-10BDB3BAA088}"/>
               </a:ext>
             </a:extLst>
           </p:cNvPr>
@@ -8353,25 +7956,405 @@
             <p:ph idx="1"/>
           </p:nvPr>
         </p:nvSpPr>
+        <p:spPr/>
+        <p:txBody>
+          <a:bodyPr/>
+          <a:lstStyle/>
+          <a:p>
+            <a:r>
+              <a:rPr lang="en-US" dirty="0"/>
+              <a:t>Self-Drive Nepal</a:t>
+            </a:r>
+          </a:p>
+          <a:p>
+            <a:r>
+              <a:rPr lang="en-US" dirty="0" err="1"/>
+              <a:t>Maharjan</a:t>
+            </a:r>
+            <a:r>
+              <a:rPr lang="en-US" dirty="0"/>
+              <a:t> Rental System</a:t>
+            </a:r>
+          </a:p>
+        </p:txBody>
+      </p:sp>
+      <p:sp>
+        <p:nvSpPr>
+          <p:cNvPr id="4" name="Date Placeholder 3">
+            <a:extLst>
+              <a:ext uri="{FF2B5EF4-FFF2-40B4-BE49-F238E27FC236}">
+                <a16:creationId xmlns:a16="http://schemas.microsoft.com/office/drawing/2014/main" id="{67BFFD07-8D92-3CE5-4F4C-27FE95FF2547}"/>
+              </a:ext>
+            </a:extLst>
+          </p:cNvPr>
+          <p:cNvSpPr>
+            <a:spLocks noGrp="1"/>
+          </p:cNvSpPr>
+          <p:nvPr>
+            <p:ph type="dt" sz="half" idx="10"/>
+          </p:nvPr>
+        </p:nvSpPr>
+        <p:spPr/>
+        <p:txBody>
+          <a:bodyPr/>
+          <a:lstStyle/>
+          <a:p>
+            <a:fld id="{579F6069-8263-4296-913A-BC2234E8D32B}" type="datetime1">
+              <a:rPr lang="en-US" smtClean="0"/>
+              <a:t>5/11/2024</a:t>
+            </a:fld>
+            <a:endParaRPr lang="en-US"/>
+          </a:p>
+        </p:txBody>
+      </p:sp>
+      <p:sp>
+        <p:nvSpPr>
+          <p:cNvPr id="5" name="Footer Placeholder 4">
+            <a:extLst>
+              <a:ext uri="{FF2B5EF4-FFF2-40B4-BE49-F238E27FC236}">
+                <a16:creationId xmlns:a16="http://schemas.microsoft.com/office/drawing/2014/main" id="{468A3A3A-9F5B-5E79-5005-2CB4FFB91D4E}"/>
+              </a:ext>
+            </a:extLst>
+          </p:cNvPr>
+          <p:cNvSpPr>
+            <a:spLocks noGrp="1"/>
+          </p:cNvSpPr>
+          <p:nvPr>
+            <p:ph type="ftr" sz="quarter" idx="11"/>
+          </p:nvPr>
+        </p:nvSpPr>
+        <p:spPr/>
+        <p:txBody>
+          <a:bodyPr/>
+          <a:lstStyle/>
+          <a:p>
+            <a:r>
+              <a:rPr lang="en-US"/>
+              <a:t>Sample Footer Text</a:t>
+            </a:r>
+          </a:p>
+        </p:txBody>
+      </p:sp>
+      <p:sp>
+        <p:nvSpPr>
+          <p:cNvPr id="6" name="Slide Number Placeholder 5">
+            <a:extLst>
+              <a:ext uri="{FF2B5EF4-FFF2-40B4-BE49-F238E27FC236}">
+                <a16:creationId xmlns:a16="http://schemas.microsoft.com/office/drawing/2014/main" id="{F13CC4FC-6801-D0CD-D2C0-33A7D191C909}"/>
+              </a:ext>
+            </a:extLst>
+          </p:cNvPr>
+          <p:cNvSpPr>
+            <a:spLocks noGrp="1"/>
+          </p:cNvSpPr>
+          <p:nvPr>
+            <p:ph type="sldNum" sz="quarter" idx="12"/>
+          </p:nvPr>
+        </p:nvSpPr>
+        <p:spPr/>
+        <p:txBody>
+          <a:bodyPr/>
+          <a:lstStyle/>
+          <a:p>
+            <a:fld id="{C68AC1EC-23E2-4F0E-A5A4-674EC8DB954E}" type="slidenum">
+              <a:rPr lang="en-US" smtClean="0"/>
+              <a:t>5</a:t>
+            </a:fld>
+            <a:endParaRPr lang="en-US"/>
+          </a:p>
+        </p:txBody>
+      </p:sp>
+    </p:spTree>
+    <p:extLst>
+      <p:ext uri="{BB962C8B-B14F-4D97-AF65-F5344CB8AC3E}">
+        <p14:creationId xmlns:p14="http://schemas.microsoft.com/office/powerpoint/2010/main" val="2516476265"/>
+      </p:ext>
+    </p:extLst>
+  </p:cSld>
+  <p:clrMapOvr>
+    <a:masterClrMapping/>
+  </p:clrMapOvr>
+</p:sld>
+</file>
+
+<file path=ppt/slides/slide6.xml><?xml version="1.0" encoding="utf-8"?>
+<p:sld xmlns:a="http://schemas.openxmlformats.org/drawingml/2006/main" xmlns:r="http://schemas.openxmlformats.org/officeDocument/2006/relationships" xmlns:p="http://schemas.openxmlformats.org/presentationml/2006/main">
+  <p:cSld>
+    <p:spTree>
+      <p:nvGrpSpPr>
+        <p:cNvPr id="1" name=""/>
+        <p:cNvGrpSpPr/>
+        <p:nvPr/>
+      </p:nvGrpSpPr>
+      <p:grpSpPr>
+        <a:xfrm>
+          <a:off x="0" y="0"/>
+          <a:ext cx="0" cy="0"/>
+          <a:chOff x="0" y="0"/>
+          <a:chExt cx="0" cy="0"/>
+        </a:xfrm>
+      </p:grpSpPr>
+      <p:sp>
+        <p:nvSpPr>
+          <p:cNvPr id="2" name="Title 1">
+            <a:extLst>
+              <a:ext uri="{FF2B5EF4-FFF2-40B4-BE49-F238E27FC236}">
+                <a16:creationId xmlns:a16="http://schemas.microsoft.com/office/drawing/2014/main" id="{88E6E2FB-47D2-60C3-0C14-824B22CA1813}"/>
+              </a:ext>
+            </a:extLst>
+          </p:cNvPr>
+          <p:cNvSpPr>
+            <a:spLocks noGrp="1"/>
+          </p:cNvSpPr>
+          <p:nvPr>
+            <p:ph type="title"/>
+          </p:nvPr>
+        </p:nvSpPr>
+        <p:spPr/>
+        <p:txBody>
+          <a:bodyPr/>
+          <a:lstStyle/>
+          <a:p>
+            <a:r>
+              <a:rPr lang="en-US" dirty="0"/>
+              <a:t>System analysis and design</a:t>
+            </a:r>
+          </a:p>
+        </p:txBody>
+      </p:sp>
+      <p:sp>
+        <p:nvSpPr>
+          <p:cNvPr id="3" name="Content Placeholder 2">
+            <a:extLst>
+              <a:ext uri="{FF2B5EF4-FFF2-40B4-BE49-F238E27FC236}">
+                <a16:creationId xmlns:a16="http://schemas.microsoft.com/office/drawing/2014/main" id="{C2496188-60E0-9C1B-066D-BD58C0B26563}"/>
+              </a:ext>
+            </a:extLst>
+          </p:cNvPr>
+          <p:cNvSpPr>
+            <a:spLocks noGrp="1"/>
+          </p:cNvSpPr>
+          <p:nvPr>
+            <p:ph idx="1"/>
+          </p:nvPr>
+        </p:nvSpPr>
+        <p:spPr/>
+        <p:txBody>
+          <a:bodyPr/>
+          <a:lstStyle/>
+          <a:p>
+            <a:r>
+              <a:rPr lang="en-US" dirty="0"/>
+              <a:t>Waterfall Model:</a:t>
+            </a:r>
+          </a:p>
+          <a:p>
+            <a:endParaRPr lang="en-US" dirty="0"/>
+          </a:p>
+        </p:txBody>
+      </p:sp>
+      <p:sp>
+        <p:nvSpPr>
+          <p:cNvPr id="4" name="Date Placeholder 3">
+            <a:extLst>
+              <a:ext uri="{FF2B5EF4-FFF2-40B4-BE49-F238E27FC236}">
+                <a16:creationId xmlns:a16="http://schemas.microsoft.com/office/drawing/2014/main" id="{3D99A8EF-1304-1683-8309-A6E7EDEB19C0}"/>
+              </a:ext>
+            </a:extLst>
+          </p:cNvPr>
+          <p:cNvSpPr>
+            <a:spLocks noGrp="1"/>
+          </p:cNvSpPr>
+          <p:nvPr>
+            <p:ph type="dt" sz="half" idx="10"/>
+          </p:nvPr>
+        </p:nvSpPr>
+        <p:spPr/>
+        <p:txBody>
+          <a:bodyPr/>
+          <a:lstStyle/>
+          <a:p>
+            <a:fld id="{579F6069-8263-4296-913A-BC2234E8D32B}" type="datetime1">
+              <a:rPr lang="en-US" smtClean="0"/>
+              <a:t>5/11/2024</a:t>
+            </a:fld>
+            <a:endParaRPr lang="en-US"/>
+          </a:p>
+        </p:txBody>
+      </p:sp>
+      <p:sp>
+        <p:nvSpPr>
+          <p:cNvPr id="5" name="Footer Placeholder 4">
+            <a:extLst>
+              <a:ext uri="{FF2B5EF4-FFF2-40B4-BE49-F238E27FC236}">
+                <a16:creationId xmlns:a16="http://schemas.microsoft.com/office/drawing/2014/main" id="{103092D7-0D14-CBA0-C43D-BF3287E97FF3}"/>
+              </a:ext>
+            </a:extLst>
+          </p:cNvPr>
+          <p:cNvSpPr>
+            <a:spLocks noGrp="1"/>
+          </p:cNvSpPr>
+          <p:nvPr>
+            <p:ph type="ftr" sz="quarter" idx="11"/>
+          </p:nvPr>
+        </p:nvSpPr>
+        <p:spPr/>
+        <p:txBody>
+          <a:bodyPr/>
+          <a:lstStyle/>
+          <a:p>
+            <a:r>
+              <a:rPr lang="en-US"/>
+              <a:t>Sample Footer Text</a:t>
+            </a:r>
+          </a:p>
+        </p:txBody>
+      </p:sp>
+      <p:sp>
+        <p:nvSpPr>
+          <p:cNvPr id="6" name="Slide Number Placeholder 5">
+            <a:extLst>
+              <a:ext uri="{FF2B5EF4-FFF2-40B4-BE49-F238E27FC236}">
+                <a16:creationId xmlns:a16="http://schemas.microsoft.com/office/drawing/2014/main" id="{15622F9B-2F16-E87A-8456-3D685FDCC2E2}"/>
+              </a:ext>
+            </a:extLst>
+          </p:cNvPr>
+          <p:cNvSpPr>
+            <a:spLocks noGrp="1"/>
+          </p:cNvSpPr>
+          <p:nvPr>
+            <p:ph type="sldNum" sz="quarter" idx="12"/>
+          </p:nvPr>
+        </p:nvSpPr>
+        <p:spPr/>
+        <p:txBody>
+          <a:bodyPr/>
+          <a:lstStyle/>
+          <a:p>
+            <a:fld id="{C68AC1EC-23E2-4F0E-A5A4-674EC8DB954E}" type="slidenum">
+              <a:rPr lang="en-US" smtClean="0"/>
+              <a:t>6</a:t>
+            </a:fld>
+            <a:endParaRPr lang="en-US"/>
+          </a:p>
+        </p:txBody>
+      </p:sp>
+      <p:pic>
+        <p:nvPicPr>
+          <p:cNvPr id="7" name="Picture 6" descr="A diagram of a process&#10;&#10;Description automatically generated">
+            <a:extLst>
+              <a:ext uri="{FF2B5EF4-FFF2-40B4-BE49-F238E27FC236}">
+                <a16:creationId xmlns:a16="http://schemas.microsoft.com/office/drawing/2014/main" id="{F8BC6B1F-B17E-DF58-E0C4-DE94F5D6510E}"/>
+              </a:ext>
+            </a:extLst>
+          </p:cNvPr>
+          <p:cNvPicPr>
+            <a:picLocks noChangeAspect="1"/>
+          </p:cNvPicPr>
+          <p:nvPr/>
+        </p:nvPicPr>
+        <p:blipFill rotWithShape="1">
+          <a:blip r:embed="rId2"/>
+          <a:srcRect b="7315"/>
+          <a:stretch/>
+        </p:blipFill>
         <p:spPr>
           <a:xfrm>
-            <a:off x="6300782" y="2361415"/>
-            <a:ext cx="4443418" cy="4023360"/>
+            <a:off x="3416332" y="2286000"/>
+            <a:ext cx="5664899" cy="3677969"/>
+          </a:xfrm>
+          <a:prstGeom prst="rect">
+            <a:avLst/>
+          </a:prstGeom>
+        </p:spPr>
+      </p:pic>
+    </p:spTree>
+    <p:extLst>
+      <p:ext uri="{BB962C8B-B14F-4D97-AF65-F5344CB8AC3E}">
+        <p14:creationId xmlns:p14="http://schemas.microsoft.com/office/powerpoint/2010/main" val="1132699534"/>
+      </p:ext>
+    </p:extLst>
+  </p:cSld>
+  <p:clrMapOvr>
+    <a:masterClrMapping/>
+  </p:clrMapOvr>
+</p:sld>
+</file>
+
+<file path=ppt/slides/slide7.xml><?xml version="1.0" encoding="utf-8"?>
+<p:sld xmlns:a="http://schemas.openxmlformats.org/drawingml/2006/main" xmlns:r="http://schemas.openxmlformats.org/officeDocument/2006/relationships" xmlns:p="http://schemas.openxmlformats.org/presentationml/2006/main">
+  <p:cSld>
+    <p:spTree>
+      <p:nvGrpSpPr>
+        <p:cNvPr id="1" name=""/>
+        <p:cNvGrpSpPr/>
+        <p:nvPr/>
+      </p:nvGrpSpPr>
+      <p:grpSpPr>
+        <a:xfrm>
+          <a:off x="0" y="0"/>
+          <a:ext cx="0" cy="0"/>
+          <a:chOff x="0" y="0"/>
+          <a:chExt cx="0" cy="0"/>
+        </a:xfrm>
+      </p:grpSpPr>
+      <p:sp>
+        <p:nvSpPr>
+          <p:cNvPr id="2" name="Title 1">
+            <a:extLst>
+              <a:ext uri="{FF2B5EF4-FFF2-40B4-BE49-F238E27FC236}">
+                <a16:creationId xmlns:a16="http://schemas.microsoft.com/office/drawing/2014/main" id="{35D90A10-91AA-2B45-768F-BB5D94842B0C}"/>
+              </a:ext>
+            </a:extLst>
+          </p:cNvPr>
+          <p:cNvSpPr>
+            <a:spLocks noGrp="1"/>
+          </p:cNvSpPr>
+          <p:nvPr>
+            <p:ph type="title"/>
+          </p:nvPr>
+        </p:nvSpPr>
+        <p:spPr/>
+        <p:txBody>
+          <a:bodyPr/>
+          <a:lstStyle/>
+          <a:p>
+            <a:r>
+              <a:rPr lang="en-US" dirty="0"/>
+              <a:t>Requirement analysis</a:t>
+            </a:r>
+          </a:p>
+        </p:txBody>
+      </p:sp>
+      <p:sp>
+        <p:nvSpPr>
+          <p:cNvPr id="3" name="Content Placeholder 2">
+            <a:extLst>
+              <a:ext uri="{FF2B5EF4-FFF2-40B4-BE49-F238E27FC236}">
+                <a16:creationId xmlns:a16="http://schemas.microsoft.com/office/drawing/2014/main" id="{42FD30CC-B9A3-4B4A-AA75-5070AB509269}"/>
+              </a:ext>
+            </a:extLst>
+          </p:cNvPr>
+          <p:cNvSpPr>
+            <a:spLocks noGrp="1"/>
+          </p:cNvSpPr>
+          <p:nvPr>
+            <p:ph idx="1"/>
+          </p:nvPr>
+        </p:nvSpPr>
+        <p:spPr>
+          <a:xfrm>
+            <a:off x="1024129" y="2286000"/>
+            <a:ext cx="4207748" cy="4023360"/>
           </a:xfrm>
         </p:spPr>
         <p:txBody>
           <a:bodyPr/>
           <a:lstStyle/>
           <a:p>
-            <a:r>
-              <a:rPr lang="en-US" dirty="0"/>
-              <a:t>LIMITATION</a:t>
-            </a:r>
-          </a:p>
-          <a:p>
-            <a:pPr marL="322326" marR="0" lvl="0" indent="-322326" algn="just" defTabSz="859536" rtl="0" eaLnBrk="1" fontAlgn="auto" latinLnBrk="0" hangingPunct="1">
+            <a:pPr marL="0" marR="0" lvl="0" indent="0" algn="l" defTabSz="905256" rtl="0" eaLnBrk="1" fontAlgn="auto" latinLnBrk="0" hangingPunct="1">
               <a:lnSpc>
-                <a:spcPct val="90000"/>
+                <a:spcPct val="100000"/>
               </a:lnSpc>
               <a:spcBef>
                 <a:spcPts val="0"/>
@@ -8381,41 +8364,32 @@
               </a:spcAft>
               <a:buClrTx/>
               <a:buSzTx/>
-              <a:buFont typeface="Symbol" panose="05050102010706020507" pitchFamily="18" charset="2"/>
-              <a:buChar char=""/>
+              <a:buNone/>
               <a:tabLst/>
               <a:defRPr/>
             </a:pPr>
             <a:r>
-              <a:rPr kumimoji="0" lang="en-US" sz="1600" b="0" i="0" u="none" strike="noStrike" kern="1200" cap="none" spc="-5" normalizeH="0" baseline="0" noProof="0" dirty="0">
-                <a:ln>
-                  <a:noFill/>
-                </a:ln>
-                <a:effectLst/>
-                <a:uLnTx/>
-                <a:uFillTx/>
-                <a:latin typeface="Times New Roman" panose="02020603050405020304" pitchFamily="18" charset="0"/>
-                <a:ea typeface="+mn-ea"/>
-                <a:cs typeface="+mn-cs"/>
+              <a:rPr lang="en-US" sz="1800" dirty="0">
+                <a:latin typeface="Calibri" panose="020F0502020204030204"/>
               </a:rPr>
-              <a:t>No online payment available, only cash on site is preferred.</a:t>
-            </a:r>
-            <a:endParaRPr kumimoji="0" lang="en-US" sz="1600" b="0" i="0" u="none" strike="noStrike" kern="1200" cap="none" spc="0" normalizeH="0" baseline="0" noProof="0" dirty="0">
+              <a:t>FUNCTIONAL REQUIREMENT:</a:t>
+            </a:r>
+            <a:endParaRPr kumimoji="0" lang="en-US" sz="1800" b="0" i="0" u="none" strike="noStrike" kern="1200" cap="none" spc="0" normalizeH="0" baseline="0" noProof="0" dirty="0">
               <a:ln>
                 <a:noFill/>
               </a:ln>
               <a:effectLst/>
               <a:uLnTx/>
               <a:uFillTx/>
-              <a:latin typeface="Times New Roman" panose="02020603050405020304" pitchFamily="18" charset="0"/>
+              <a:latin typeface="Calibri" panose="020F0502020204030204"/>
               <a:ea typeface="+mn-ea"/>
               <a:cs typeface="+mn-cs"/>
             </a:endParaRPr>
           </a:p>
           <a:p>
-            <a:pPr marL="322326" marR="0" lvl="0" indent="-322326" algn="just" defTabSz="859536" rtl="0" eaLnBrk="1" fontAlgn="auto" latinLnBrk="0" hangingPunct="1">
+            <a:pPr marL="339471" marR="0" lvl="0" indent="-339471" algn="l" defTabSz="905256" rtl="0" eaLnBrk="1" fontAlgn="auto" latinLnBrk="0" hangingPunct="1">
               <a:lnSpc>
-                <a:spcPct val="90000"/>
+                <a:spcPct val="100000"/>
               </a:lnSpc>
               <a:spcBef>
                 <a:spcPts val="0"/>
@@ -8425,36 +8399,105 @@
               </a:spcAft>
               <a:buClrTx/>
               <a:buSzTx/>
-              <a:buFont typeface="Symbol" panose="05050102010706020507" pitchFamily="18" charset="2"/>
-              <a:buChar char=""/>
+              <a:buFont typeface="Arial" panose="020B0604020202020204" pitchFamily="34" charset="0"/>
+              <a:buChar char="•"/>
               <a:tabLst/>
               <a:defRPr/>
             </a:pPr>
             <a:r>
-              <a:rPr kumimoji="0" lang="en-US" sz="1600" b="0" i="0" u="none" strike="noStrike" kern="1200" cap="none" spc="-5" normalizeH="0" baseline="0" noProof="0" dirty="0">
+              <a:rPr kumimoji="0" lang="en-US" sz="1800" b="0" i="0" u="none" strike="noStrike" kern="1200" cap="none" spc="0" normalizeH="0" baseline="0" noProof="0" dirty="0">
                 <a:ln>
                   <a:noFill/>
                 </a:ln>
                 <a:effectLst/>
                 <a:uLnTx/>
                 <a:uFillTx/>
-                <a:latin typeface="Times New Roman" panose="02020603050405020304" pitchFamily="18" charset="0"/>
+                <a:latin typeface="Calibri" panose="020F0502020204030204"/>
                 <a:ea typeface="+mn-ea"/>
                 <a:cs typeface="+mn-cs"/>
               </a:rPr>
-              <a:t>Since it is online based, internet is required. The location of vehicles or customers who booked the vehicles cannot be tracked.</a:t>
-            </a:r>
-            <a:endParaRPr kumimoji="0" lang="en-US" sz="1600" b="0" i="0" u="none" strike="noStrike" kern="1200" cap="none" spc="0" normalizeH="0" baseline="0" noProof="0" dirty="0">
-              <a:ln>
-                <a:noFill/>
-              </a:ln>
-              <a:effectLst/>
-              <a:uLnTx/>
-              <a:uFillTx/>
-              <a:latin typeface="Times New Roman" panose="02020603050405020304" pitchFamily="18" charset="0"/>
-              <a:ea typeface="+mn-ea"/>
-              <a:cs typeface="+mn-cs"/>
-            </a:endParaRPr>
+              <a:t>Customer Login/Registration Module</a:t>
+            </a:r>
+          </a:p>
+          <a:p>
+            <a:pPr marL="339471" indent="-339471" defTabSz="905256">
+              <a:spcAft>
+                <a:spcPts val="600"/>
+              </a:spcAft>
+              <a:buFont typeface="Arial" panose="020B0604020202020204" pitchFamily="34" charset="0"/>
+              <a:buChar char="•"/>
+            </a:pPr>
+            <a:r>
+              <a:rPr lang="en-US" sz="1800" dirty="0">
+                <a:latin typeface="Calibri" panose="020F0502020204030204" pitchFamily="34" charset="0"/>
+                <a:cs typeface="Calibri" panose="020F0502020204030204" pitchFamily="34" charset="0"/>
+              </a:rPr>
+              <a:t>Customer Dashboard</a:t>
+            </a:r>
+          </a:p>
+          <a:p>
+            <a:pPr marL="339471" indent="-339471" defTabSz="905256">
+              <a:spcAft>
+                <a:spcPts val="600"/>
+              </a:spcAft>
+              <a:buFont typeface="Arial" panose="020B0604020202020204" pitchFamily="34" charset="0"/>
+              <a:buChar char="•"/>
+            </a:pPr>
+            <a:r>
+              <a:rPr lang="en-US" sz="1800" dirty="0">
+                <a:latin typeface="Calibri" panose="020F0502020204030204" pitchFamily="34" charset="0"/>
+                <a:cs typeface="Calibri" panose="020F0502020204030204" pitchFamily="34" charset="0"/>
+              </a:rPr>
+              <a:t>Admin Dashboard</a:t>
+            </a:r>
+          </a:p>
+          <a:p>
+            <a:pPr marL="339471" indent="-339471" defTabSz="905256">
+              <a:spcAft>
+                <a:spcPts val="600"/>
+              </a:spcAft>
+              <a:buFont typeface="Arial" panose="020B0604020202020204" pitchFamily="34" charset="0"/>
+              <a:buChar char="•"/>
+            </a:pPr>
+            <a:r>
+              <a:rPr lang="en-US" sz="1800" dirty="0">
+                <a:latin typeface="Calibri" panose="020F0502020204030204" pitchFamily="34" charset="0"/>
+                <a:cs typeface="Calibri" panose="020F0502020204030204" pitchFamily="34" charset="0"/>
+              </a:rPr>
+              <a:t>Bike Selection</a:t>
+            </a:r>
+          </a:p>
+          <a:p>
+            <a:pPr marL="339471" indent="-339471" defTabSz="905256">
+              <a:spcAft>
+                <a:spcPts val="600"/>
+              </a:spcAft>
+              <a:buFont typeface="Arial" panose="020B0604020202020204" pitchFamily="34" charset="0"/>
+              <a:buChar char="•"/>
+            </a:pPr>
+            <a:r>
+              <a:rPr lang="en-US" sz="1800" dirty="0">
+                <a:latin typeface="Calibri" panose="020F0502020204030204" pitchFamily="34" charset="0"/>
+                <a:cs typeface="Calibri" panose="020F0502020204030204" pitchFamily="34" charset="0"/>
+              </a:rPr>
+              <a:t>Availability Status</a:t>
+            </a:r>
+          </a:p>
+          <a:p>
+            <a:pPr marL="339471" indent="-339471" defTabSz="905256">
+              <a:spcAft>
+                <a:spcPts val="600"/>
+              </a:spcAft>
+              <a:buFont typeface="Arial" panose="020B0604020202020204" pitchFamily="34" charset="0"/>
+              <a:buChar char="•"/>
+            </a:pPr>
+            <a:r>
+              <a:rPr lang="en-US" sz="1800" dirty="0">
+                <a:latin typeface="Calibri" panose="020F0502020204030204" pitchFamily="34" charset="0"/>
+                <a:cs typeface="Calibri" panose="020F0502020204030204" pitchFamily="34" charset="0"/>
+              </a:rPr>
+              <a:t>Rental Management</a:t>
+            </a:r>
           </a:p>
           <a:p>
             <a:endParaRPr lang="en-US" dirty="0"/>
@@ -8466,7 +8509,7 @@
           <p:cNvPr id="4" name="Date Placeholder 3">
             <a:extLst>
               <a:ext uri="{FF2B5EF4-FFF2-40B4-BE49-F238E27FC236}">
-                <a16:creationId xmlns:a16="http://schemas.microsoft.com/office/drawing/2014/main" id="{9410E882-D8D7-CABF-A5C5-AD728C5DBE17}"/>
+                <a16:creationId xmlns:a16="http://schemas.microsoft.com/office/drawing/2014/main" id="{776D2C21-401E-B3EC-B1DB-A9A74182B139}"/>
               </a:ext>
             </a:extLst>
           </p:cNvPr>
@@ -8484,7 +8527,7 @@
           <a:p>
             <a:fld id="{579F6069-8263-4296-913A-BC2234E8D32B}" type="datetime1">
               <a:rPr lang="en-US" smtClean="0"/>
-              <a:t>5/10/2024</a:t>
+              <a:t>5/11/2024</a:t>
             </a:fld>
             <a:endParaRPr lang="en-US"/>
           </a:p>
@@ -8495,7 +8538,7 @@
           <p:cNvPr id="5" name="Footer Placeholder 4">
             <a:extLst>
               <a:ext uri="{FF2B5EF4-FFF2-40B4-BE49-F238E27FC236}">
-                <a16:creationId xmlns:a16="http://schemas.microsoft.com/office/drawing/2014/main" id="{5920E9D4-0C64-5E03-8821-7695F9A07C8F}"/>
+                <a16:creationId xmlns:a16="http://schemas.microsoft.com/office/drawing/2014/main" id="{A4DC1F00-FB3C-C37F-0E4B-5009BF1A2655}"/>
               </a:ext>
             </a:extLst>
           </p:cNvPr>
@@ -8523,7 +8566,7 @@
           <p:cNvPr id="6" name="Slide Number Placeholder 5">
             <a:extLst>
               <a:ext uri="{FF2B5EF4-FFF2-40B4-BE49-F238E27FC236}">
-                <a16:creationId xmlns:a16="http://schemas.microsoft.com/office/drawing/2014/main" id="{08F5EA59-1B9C-7008-2838-348BC5F317A8}"/>
+                <a16:creationId xmlns:a16="http://schemas.microsoft.com/office/drawing/2014/main" id="{0BBAEE46-8772-C699-03F8-E2B637391E33}"/>
               </a:ext>
             </a:extLst>
           </p:cNvPr>
@@ -8541,7 +8584,7 @@
           <a:p>
             <a:fld id="{C68AC1EC-23E2-4F0E-A5A4-674EC8DB954E}" type="slidenum">
               <a:rPr lang="en-US" smtClean="0"/>
-              <a:t>5</a:t>
+              <a:t>7</a:t>
             </a:fld>
             <a:endParaRPr lang="en-US"/>
           </a:p>
@@ -8552,7 +8595,7 @@
           <p:cNvPr id="7" name="Content Placeholder 2">
             <a:extLst>
               <a:ext uri="{FF2B5EF4-FFF2-40B4-BE49-F238E27FC236}">
-                <a16:creationId xmlns:a16="http://schemas.microsoft.com/office/drawing/2014/main" id="{F16670CA-0608-FB1F-E427-C6C9B7B08A81}"/>
+                <a16:creationId xmlns:a16="http://schemas.microsoft.com/office/drawing/2014/main" id="{AF97A04A-00D1-F621-E44A-F6D7A55B76E7}"/>
               </a:ext>
             </a:extLst>
           </p:cNvPr>
@@ -8563,8 +8606,8 @@
         </p:nvSpPr>
         <p:spPr>
           <a:xfrm>
-            <a:off x="1176529" y="2438400"/>
-            <a:ext cx="4443418" cy="4023360"/>
+            <a:off x="6427259" y="2084832"/>
+            <a:ext cx="4207748" cy="4023360"/>
           </a:xfrm>
           <a:prstGeom prst="rect">
             <a:avLst/>
@@ -8794,996 +8837,6 @@
             </a:lvl9pPr>
           </a:lstStyle>
           <a:p>
-            <a:r>
-              <a:rPr lang="en-US" dirty="0"/>
-              <a:t>SCOPE</a:t>
-            </a:r>
-          </a:p>
-          <a:p>
-            <a:pPr marL="322326" marR="0" lvl="0" indent="-322326" algn="just" defTabSz="859536" rtl="0" eaLnBrk="1" fontAlgn="auto" latinLnBrk="0" hangingPunct="1">
-              <a:lnSpc>
-                <a:spcPct val="90000"/>
-              </a:lnSpc>
-              <a:spcBef>
-                <a:spcPts val="0"/>
-              </a:spcBef>
-              <a:spcAft>
-                <a:spcPts val="600"/>
-              </a:spcAft>
-              <a:buClrTx/>
-              <a:buSzPts val="1200"/>
-              <a:buFont typeface="Symbol" panose="05050102010706020507" pitchFamily="18" charset="2"/>
-              <a:buChar char=""/>
-              <a:tabLst/>
-              <a:defRPr/>
-            </a:pPr>
-            <a:r>
-              <a:rPr kumimoji="0" lang="en-US" sz="1600" b="0" i="0" u="none" strike="noStrike" kern="1200" cap="none" spc="-5" normalizeH="0" baseline="0" noProof="0" dirty="0">
-                <a:ln>
-                  <a:noFill/>
-                </a:ln>
-                <a:effectLst/>
-                <a:uLnTx/>
-                <a:uFillTx/>
-                <a:latin typeface="Times New Roman" panose="02020603050405020304" pitchFamily="18" charset="0"/>
-                <a:ea typeface="+mn-ea"/>
-                <a:cs typeface="+mn-cs"/>
-              </a:rPr>
-              <a:t>User-friendly environment.</a:t>
-            </a:r>
-            <a:endParaRPr kumimoji="0" lang="en-US" sz="1600" b="0" i="0" u="none" strike="noStrike" kern="1200" cap="none" spc="0" normalizeH="0" baseline="0" noProof="0" dirty="0">
-              <a:ln>
-                <a:noFill/>
-              </a:ln>
-              <a:effectLst/>
-              <a:uLnTx/>
-              <a:uFillTx/>
-              <a:latin typeface="Times New Roman" panose="02020603050405020304" pitchFamily="18" charset="0"/>
-              <a:ea typeface="+mn-ea"/>
-              <a:cs typeface="+mn-cs"/>
-            </a:endParaRPr>
-          </a:p>
-          <a:p>
-            <a:pPr marL="322326" marR="0" lvl="0" indent="-322326" algn="just" defTabSz="859536" rtl="0" eaLnBrk="1" fontAlgn="auto" latinLnBrk="0" hangingPunct="1">
-              <a:lnSpc>
-                <a:spcPct val="90000"/>
-              </a:lnSpc>
-              <a:spcBef>
-                <a:spcPts val="0"/>
-              </a:spcBef>
-              <a:spcAft>
-                <a:spcPts val="600"/>
-              </a:spcAft>
-              <a:buClrTx/>
-              <a:buSzPts val="1200"/>
-              <a:buFont typeface="Symbol" panose="05050102010706020507" pitchFamily="18" charset="2"/>
-              <a:buChar char=""/>
-              <a:tabLst/>
-              <a:defRPr/>
-            </a:pPr>
-            <a:r>
-              <a:rPr kumimoji="0" lang="en-US" sz="1600" b="0" i="0" u="none" strike="noStrike" kern="1200" cap="none" spc="-5" normalizeH="0" baseline="0" noProof="0" dirty="0">
-                <a:ln>
-                  <a:noFill/>
-                </a:ln>
-                <a:effectLst/>
-                <a:uLnTx/>
-                <a:uFillTx/>
-                <a:latin typeface="Times New Roman" panose="02020603050405020304" pitchFamily="18" charset="0"/>
-                <a:ea typeface="+mn-ea"/>
-                <a:cs typeface="+mn-cs"/>
-              </a:rPr>
-              <a:t>Users can easily view book details in their dashboard.</a:t>
-            </a:r>
-            <a:endParaRPr kumimoji="0" lang="en-US" sz="1600" b="0" i="0" u="none" strike="noStrike" kern="1200" cap="none" spc="0" normalizeH="0" baseline="0" noProof="0" dirty="0">
-              <a:ln>
-                <a:noFill/>
-              </a:ln>
-              <a:effectLst/>
-              <a:uLnTx/>
-              <a:uFillTx/>
-              <a:latin typeface="Times New Roman" panose="02020603050405020304" pitchFamily="18" charset="0"/>
-              <a:ea typeface="+mn-ea"/>
-              <a:cs typeface="+mn-cs"/>
-            </a:endParaRPr>
-          </a:p>
-          <a:p>
-            <a:pPr marL="322326" marR="0" lvl="0" indent="-322326" algn="just" defTabSz="859536" rtl="0" eaLnBrk="1" fontAlgn="auto" latinLnBrk="0" hangingPunct="1">
-              <a:lnSpc>
-                <a:spcPct val="90000"/>
-              </a:lnSpc>
-              <a:spcBef>
-                <a:spcPts val="0"/>
-              </a:spcBef>
-              <a:spcAft>
-                <a:spcPts val="600"/>
-              </a:spcAft>
-              <a:buClrTx/>
-              <a:buSzPts val="1200"/>
-              <a:buFont typeface="Symbol" panose="05050102010706020507" pitchFamily="18" charset="2"/>
-              <a:buChar char=""/>
-              <a:tabLst/>
-              <a:defRPr/>
-            </a:pPr>
-            <a:r>
-              <a:rPr kumimoji="0" lang="en-US" sz="1600" b="0" i="0" u="none" strike="noStrike" kern="1200" cap="none" spc="-5" normalizeH="0" baseline="0" noProof="0" dirty="0">
-                <a:ln>
-                  <a:noFill/>
-                </a:ln>
-                <a:effectLst/>
-                <a:uLnTx/>
-                <a:uFillTx/>
-                <a:latin typeface="Times New Roman" panose="02020603050405020304" pitchFamily="18" charset="0"/>
-                <a:ea typeface="+mn-ea"/>
-                <a:cs typeface="+mn-cs"/>
-              </a:rPr>
-              <a:t>Unauthorized users cannot access the system.</a:t>
-            </a:r>
-            <a:endParaRPr kumimoji="0" lang="en-US" sz="1600" b="0" i="0" u="none" strike="noStrike" kern="1200" cap="none" spc="0" normalizeH="0" baseline="0" noProof="0" dirty="0">
-              <a:ln>
-                <a:noFill/>
-              </a:ln>
-              <a:effectLst/>
-              <a:uLnTx/>
-              <a:uFillTx/>
-              <a:latin typeface="Times New Roman" panose="02020603050405020304" pitchFamily="18" charset="0"/>
-              <a:ea typeface="+mn-ea"/>
-              <a:cs typeface="+mn-cs"/>
-            </a:endParaRPr>
-          </a:p>
-          <a:p>
-            <a:pPr marL="322326" marR="0" lvl="0" indent="-322326" algn="just" defTabSz="859536" rtl="0" eaLnBrk="1" fontAlgn="auto" latinLnBrk="0" hangingPunct="1">
-              <a:lnSpc>
-                <a:spcPct val="90000"/>
-              </a:lnSpc>
-              <a:spcBef>
-                <a:spcPts val="0"/>
-              </a:spcBef>
-              <a:spcAft>
-                <a:spcPts val="600"/>
-              </a:spcAft>
-              <a:buClrTx/>
-              <a:buSzPts val="1200"/>
-              <a:buFont typeface="Symbol" panose="05050102010706020507" pitchFamily="18" charset="2"/>
-              <a:buChar char=""/>
-              <a:tabLst/>
-              <a:defRPr/>
-            </a:pPr>
-            <a:r>
-              <a:rPr kumimoji="0" lang="en-US" sz="1600" b="0" i="0" u="none" strike="noStrike" kern="1200" cap="none" spc="-5" normalizeH="0" baseline="0" noProof="0" dirty="0">
-                <a:ln>
-                  <a:noFill/>
-                </a:ln>
-                <a:effectLst/>
-                <a:uLnTx/>
-                <a:uFillTx/>
-                <a:latin typeface="Times New Roman" panose="02020603050405020304" pitchFamily="18" charset="0"/>
-                <a:ea typeface="+mn-ea"/>
-                <a:cs typeface="+mn-cs"/>
-              </a:rPr>
-              <a:t>Users of any experience can easily browse through the website.</a:t>
-            </a:r>
-            <a:endParaRPr kumimoji="0" lang="en-US" sz="1600" b="0" i="0" u="none" strike="noStrike" kern="1200" cap="none" spc="0" normalizeH="0" baseline="0" noProof="0" dirty="0">
-              <a:ln>
-                <a:noFill/>
-              </a:ln>
-              <a:effectLst/>
-              <a:uLnTx/>
-              <a:uFillTx/>
-              <a:latin typeface="Times New Roman" panose="02020603050405020304" pitchFamily="18" charset="0"/>
-              <a:ea typeface="+mn-ea"/>
-              <a:cs typeface="+mn-cs"/>
-            </a:endParaRPr>
-          </a:p>
-          <a:p>
-            <a:pPr marL="322326" marR="0" lvl="0" indent="-322326" algn="just" defTabSz="859536" rtl="0" eaLnBrk="1" fontAlgn="auto" latinLnBrk="0" hangingPunct="1">
-              <a:lnSpc>
-                <a:spcPct val="90000"/>
-              </a:lnSpc>
-              <a:spcBef>
-                <a:spcPts val="0"/>
-              </a:spcBef>
-              <a:spcAft>
-                <a:spcPts val="600"/>
-              </a:spcAft>
-              <a:buClrTx/>
-              <a:buSzPts val="1200"/>
-              <a:buFont typeface="Symbol" panose="05050102010706020507" pitchFamily="18" charset="2"/>
-              <a:buChar char=""/>
-              <a:tabLst/>
-              <a:defRPr/>
-            </a:pPr>
-            <a:r>
-              <a:rPr kumimoji="0" lang="en-US" sz="1600" b="0" i="0" u="none" strike="noStrike" kern="1200" cap="none" spc="-5" normalizeH="0" baseline="0" noProof="0" dirty="0">
-                <a:ln>
-                  <a:noFill/>
-                </a:ln>
-                <a:effectLst/>
-                <a:uLnTx/>
-                <a:uFillTx/>
-                <a:latin typeface="Times New Roman" panose="02020603050405020304" pitchFamily="18" charset="0"/>
-                <a:ea typeface="+mn-ea"/>
-                <a:cs typeface="+mn-cs"/>
-              </a:rPr>
-              <a:t>User can easily view the availability status</a:t>
-            </a:r>
-            <a:endParaRPr lang="en-US" dirty="0"/>
-          </a:p>
-        </p:txBody>
-      </p:sp>
-    </p:spTree>
-    <p:extLst>
-      <p:ext uri="{BB962C8B-B14F-4D97-AF65-F5344CB8AC3E}">
-        <p14:creationId xmlns:p14="http://schemas.microsoft.com/office/powerpoint/2010/main" val="468870861"/>
-      </p:ext>
-    </p:extLst>
-  </p:cSld>
-  <p:clrMapOvr>
-    <a:masterClrMapping/>
-  </p:clrMapOvr>
-</p:sld>
-</file>
-
-<file path=ppt/slides/slide6.xml><?xml version="1.0" encoding="utf-8"?>
-<p:sld xmlns:a="http://schemas.openxmlformats.org/drawingml/2006/main" xmlns:r="http://schemas.openxmlformats.org/officeDocument/2006/relationships" xmlns:p="http://schemas.openxmlformats.org/presentationml/2006/main">
-  <p:cSld>
-    <p:spTree>
-      <p:nvGrpSpPr>
-        <p:cNvPr id="1" name=""/>
-        <p:cNvGrpSpPr/>
-        <p:nvPr/>
-      </p:nvGrpSpPr>
-      <p:grpSpPr>
-        <a:xfrm>
-          <a:off x="0" y="0"/>
-          <a:ext cx="0" cy="0"/>
-          <a:chOff x="0" y="0"/>
-          <a:chExt cx="0" cy="0"/>
-        </a:xfrm>
-      </p:grpSpPr>
-      <p:sp>
-        <p:nvSpPr>
-          <p:cNvPr id="2" name="Title 1">
-            <a:extLst>
-              <a:ext uri="{FF2B5EF4-FFF2-40B4-BE49-F238E27FC236}">
-                <a16:creationId xmlns:a16="http://schemas.microsoft.com/office/drawing/2014/main" id="{88E6E2FB-47D2-60C3-0C14-824B22CA1813}"/>
-              </a:ext>
-            </a:extLst>
-          </p:cNvPr>
-          <p:cNvSpPr>
-            <a:spLocks noGrp="1"/>
-          </p:cNvSpPr>
-          <p:nvPr>
-            <p:ph type="title"/>
-          </p:nvPr>
-        </p:nvSpPr>
-        <p:spPr/>
-        <p:txBody>
-          <a:bodyPr/>
-          <a:lstStyle/>
-          <a:p>
-            <a:r>
-              <a:rPr lang="en-US" dirty="0"/>
-              <a:t>System analysis and design</a:t>
-            </a:r>
-          </a:p>
-        </p:txBody>
-      </p:sp>
-      <p:sp>
-        <p:nvSpPr>
-          <p:cNvPr id="3" name="Content Placeholder 2">
-            <a:extLst>
-              <a:ext uri="{FF2B5EF4-FFF2-40B4-BE49-F238E27FC236}">
-                <a16:creationId xmlns:a16="http://schemas.microsoft.com/office/drawing/2014/main" id="{C2496188-60E0-9C1B-066D-BD58C0B26563}"/>
-              </a:ext>
-            </a:extLst>
-          </p:cNvPr>
-          <p:cNvSpPr>
-            <a:spLocks noGrp="1"/>
-          </p:cNvSpPr>
-          <p:nvPr>
-            <p:ph idx="1"/>
-          </p:nvPr>
-        </p:nvSpPr>
-        <p:spPr/>
-        <p:txBody>
-          <a:bodyPr/>
-          <a:lstStyle/>
-          <a:p>
-            <a:r>
-              <a:rPr lang="en-US" dirty="0"/>
-              <a:t>Waterfall Model:</a:t>
-            </a:r>
-          </a:p>
-          <a:p>
-            <a:endParaRPr lang="en-US" dirty="0"/>
-          </a:p>
-        </p:txBody>
-      </p:sp>
-      <p:sp>
-        <p:nvSpPr>
-          <p:cNvPr id="4" name="Date Placeholder 3">
-            <a:extLst>
-              <a:ext uri="{FF2B5EF4-FFF2-40B4-BE49-F238E27FC236}">
-                <a16:creationId xmlns:a16="http://schemas.microsoft.com/office/drawing/2014/main" id="{3D99A8EF-1304-1683-8309-A6E7EDEB19C0}"/>
-              </a:ext>
-            </a:extLst>
-          </p:cNvPr>
-          <p:cNvSpPr>
-            <a:spLocks noGrp="1"/>
-          </p:cNvSpPr>
-          <p:nvPr>
-            <p:ph type="dt" sz="half" idx="10"/>
-          </p:nvPr>
-        </p:nvSpPr>
-        <p:spPr/>
-        <p:txBody>
-          <a:bodyPr/>
-          <a:lstStyle/>
-          <a:p>
-            <a:fld id="{579F6069-8263-4296-913A-BC2234E8D32B}" type="datetime1">
-              <a:rPr lang="en-US" smtClean="0"/>
-              <a:t>5/10/2024</a:t>
-            </a:fld>
-            <a:endParaRPr lang="en-US"/>
-          </a:p>
-        </p:txBody>
-      </p:sp>
-      <p:sp>
-        <p:nvSpPr>
-          <p:cNvPr id="5" name="Footer Placeholder 4">
-            <a:extLst>
-              <a:ext uri="{FF2B5EF4-FFF2-40B4-BE49-F238E27FC236}">
-                <a16:creationId xmlns:a16="http://schemas.microsoft.com/office/drawing/2014/main" id="{103092D7-0D14-CBA0-C43D-BF3287E97FF3}"/>
-              </a:ext>
-            </a:extLst>
-          </p:cNvPr>
-          <p:cNvSpPr>
-            <a:spLocks noGrp="1"/>
-          </p:cNvSpPr>
-          <p:nvPr>
-            <p:ph type="ftr" sz="quarter" idx="11"/>
-          </p:nvPr>
-        </p:nvSpPr>
-        <p:spPr/>
-        <p:txBody>
-          <a:bodyPr/>
-          <a:lstStyle/>
-          <a:p>
-            <a:r>
-              <a:rPr lang="en-US"/>
-              <a:t>Sample Footer Text</a:t>
-            </a:r>
-          </a:p>
-        </p:txBody>
-      </p:sp>
-      <p:sp>
-        <p:nvSpPr>
-          <p:cNvPr id="6" name="Slide Number Placeholder 5">
-            <a:extLst>
-              <a:ext uri="{FF2B5EF4-FFF2-40B4-BE49-F238E27FC236}">
-                <a16:creationId xmlns:a16="http://schemas.microsoft.com/office/drawing/2014/main" id="{15622F9B-2F16-E87A-8456-3D685FDCC2E2}"/>
-              </a:ext>
-            </a:extLst>
-          </p:cNvPr>
-          <p:cNvSpPr>
-            <a:spLocks noGrp="1"/>
-          </p:cNvSpPr>
-          <p:nvPr>
-            <p:ph type="sldNum" sz="quarter" idx="12"/>
-          </p:nvPr>
-        </p:nvSpPr>
-        <p:spPr/>
-        <p:txBody>
-          <a:bodyPr/>
-          <a:lstStyle/>
-          <a:p>
-            <a:fld id="{C68AC1EC-23E2-4F0E-A5A4-674EC8DB954E}" type="slidenum">
-              <a:rPr lang="en-US" smtClean="0"/>
-              <a:t>6</a:t>
-            </a:fld>
-            <a:endParaRPr lang="en-US"/>
-          </a:p>
-        </p:txBody>
-      </p:sp>
-      <p:pic>
-        <p:nvPicPr>
-          <p:cNvPr id="7" name="Picture 6" descr="A diagram of a process&#10;&#10;Description automatically generated">
-            <a:extLst>
-              <a:ext uri="{FF2B5EF4-FFF2-40B4-BE49-F238E27FC236}">
-                <a16:creationId xmlns:a16="http://schemas.microsoft.com/office/drawing/2014/main" id="{F8BC6B1F-B17E-DF58-E0C4-DE94F5D6510E}"/>
-              </a:ext>
-            </a:extLst>
-          </p:cNvPr>
-          <p:cNvPicPr>
-            <a:picLocks noChangeAspect="1"/>
-          </p:cNvPicPr>
-          <p:nvPr/>
-        </p:nvPicPr>
-        <p:blipFill rotWithShape="1">
-          <a:blip r:embed="rId2"/>
-          <a:srcRect b="7315"/>
-          <a:stretch/>
-        </p:blipFill>
-        <p:spPr>
-          <a:xfrm>
-            <a:off x="3416332" y="2286000"/>
-            <a:ext cx="5664899" cy="3677969"/>
-          </a:xfrm>
-          <a:prstGeom prst="rect">
-            <a:avLst/>
-          </a:prstGeom>
-        </p:spPr>
-      </p:pic>
-    </p:spTree>
-    <p:extLst>
-      <p:ext uri="{BB962C8B-B14F-4D97-AF65-F5344CB8AC3E}">
-        <p14:creationId xmlns:p14="http://schemas.microsoft.com/office/powerpoint/2010/main" val="1132699534"/>
-      </p:ext>
-    </p:extLst>
-  </p:cSld>
-  <p:clrMapOvr>
-    <a:masterClrMapping/>
-  </p:clrMapOvr>
-</p:sld>
-</file>
-
-<file path=ppt/slides/slide7.xml><?xml version="1.0" encoding="utf-8"?>
-<p:sld xmlns:a="http://schemas.openxmlformats.org/drawingml/2006/main" xmlns:r="http://schemas.openxmlformats.org/officeDocument/2006/relationships" xmlns:p="http://schemas.openxmlformats.org/presentationml/2006/main">
-  <p:cSld>
-    <p:spTree>
-      <p:nvGrpSpPr>
-        <p:cNvPr id="1" name=""/>
-        <p:cNvGrpSpPr/>
-        <p:nvPr/>
-      </p:nvGrpSpPr>
-      <p:grpSpPr>
-        <a:xfrm>
-          <a:off x="0" y="0"/>
-          <a:ext cx="0" cy="0"/>
-          <a:chOff x="0" y="0"/>
-          <a:chExt cx="0" cy="0"/>
-        </a:xfrm>
-      </p:grpSpPr>
-      <p:sp>
-        <p:nvSpPr>
-          <p:cNvPr id="2" name="Title 1">
-            <a:extLst>
-              <a:ext uri="{FF2B5EF4-FFF2-40B4-BE49-F238E27FC236}">
-                <a16:creationId xmlns:a16="http://schemas.microsoft.com/office/drawing/2014/main" id="{35D90A10-91AA-2B45-768F-BB5D94842B0C}"/>
-              </a:ext>
-            </a:extLst>
-          </p:cNvPr>
-          <p:cNvSpPr>
-            <a:spLocks noGrp="1"/>
-          </p:cNvSpPr>
-          <p:nvPr>
-            <p:ph type="title"/>
-          </p:nvPr>
-        </p:nvSpPr>
-        <p:spPr/>
-        <p:txBody>
-          <a:bodyPr/>
-          <a:lstStyle/>
-          <a:p>
-            <a:r>
-              <a:rPr lang="en-US" dirty="0"/>
-              <a:t>Requirement analysis</a:t>
-            </a:r>
-          </a:p>
-        </p:txBody>
-      </p:sp>
-      <p:sp>
-        <p:nvSpPr>
-          <p:cNvPr id="3" name="Content Placeholder 2">
-            <a:extLst>
-              <a:ext uri="{FF2B5EF4-FFF2-40B4-BE49-F238E27FC236}">
-                <a16:creationId xmlns:a16="http://schemas.microsoft.com/office/drawing/2014/main" id="{42FD30CC-B9A3-4B4A-AA75-5070AB509269}"/>
-              </a:ext>
-            </a:extLst>
-          </p:cNvPr>
-          <p:cNvSpPr>
-            <a:spLocks noGrp="1"/>
-          </p:cNvSpPr>
-          <p:nvPr>
-            <p:ph idx="1"/>
-          </p:nvPr>
-        </p:nvSpPr>
-        <p:spPr>
-          <a:xfrm>
-            <a:off x="1024129" y="2286000"/>
-            <a:ext cx="4207748" cy="4023360"/>
-          </a:xfrm>
-        </p:spPr>
-        <p:txBody>
-          <a:bodyPr/>
-          <a:lstStyle/>
-          <a:p>
-            <a:pPr marL="0" marR="0" lvl="0" indent="0" algn="l" defTabSz="905256" rtl="0" eaLnBrk="1" fontAlgn="auto" latinLnBrk="0" hangingPunct="1">
-              <a:lnSpc>
-                <a:spcPct val="100000"/>
-              </a:lnSpc>
-              <a:spcBef>
-                <a:spcPts val="0"/>
-              </a:spcBef>
-              <a:spcAft>
-                <a:spcPts val="600"/>
-              </a:spcAft>
-              <a:buClrTx/>
-              <a:buSzTx/>
-              <a:buNone/>
-              <a:tabLst/>
-              <a:defRPr/>
-            </a:pPr>
-            <a:r>
-              <a:rPr lang="en-US" sz="1800" dirty="0">
-                <a:latin typeface="Calibri" panose="020F0502020204030204"/>
-              </a:rPr>
-              <a:t>FUNCTIONAL REQUIREMENT:</a:t>
-            </a:r>
-            <a:endParaRPr kumimoji="0" lang="en-US" sz="1800" b="0" i="0" u="none" strike="noStrike" kern="1200" cap="none" spc="0" normalizeH="0" baseline="0" noProof="0" dirty="0">
-              <a:ln>
-                <a:noFill/>
-              </a:ln>
-              <a:effectLst/>
-              <a:uLnTx/>
-              <a:uFillTx/>
-              <a:latin typeface="Calibri" panose="020F0502020204030204"/>
-              <a:ea typeface="+mn-ea"/>
-              <a:cs typeface="+mn-cs"/>
-            </a:endParaRPr>
-          </a:p>
-          <a:p>
-            <a:pPr marL="339471" marR="0" lvl="0" indent="-339471" algn="l" defTabSz="905256" rtl="0" eaLnBrk="1" fontAlgn="auto" latinLnBrk="0" hangingPunct="1">
-              <a:lnSpc>
-                <a:spcPct val="100000"/>
-              </a:lnSpc>
-              <a:spcBef>
-                <a:spcPts val="0"/>
-              </a:spcBef>
-              <a:spcAft>
-                <a:spcPts val="600"/>
-              </a:spcAft>
-              <a:buClrTx/>
-              <a:buSzTx/>
-              <a:buFont typeface="Arial" panose="020B0604020202020204" pitchFamily="34" charset="0"/>
-              <a:buChar char="•"/>
-              <a:tabLst/>
-              <a:defRPr/>
-            </a:pPr>
-            <a:r>
-              <a:rPr kumimoji="0" lang="en-US" sz="1800" b="0" i="0" u="none" strike="noStrike" kern="1200" cap="none" spc="0" normalizeH="0" baseline="0" noProof="0" dirty="0">
-                <a:ln>
-                  <a:noFill/>
-                </a:ln>
-                <a:effectLst/>
-                <a:uLnTx/>
-                <a:uFillTx/>
-                <a:latin typeface="Calibri" panose="020F0502020204030204"/>
-                <a:ea typeface="+mn-ea"/>
-                <a:cs typeface="+mn-cs"/>
-              </a:rPr>
-              <a:t>Customer Login/Registration Module</a:t>
-            </a:r>
-          </a:p>
-          <a:p>
-            <a:pPr marL="339471" indent="-339471" defTabSz="905256">
-              <a:spcAft>
-                <a:spcPts val="600"/>
-              </a:spcAft>
-              <a:buFont typeface="Arial" panose="020B0604020202020204" pitchFamily="34" charset="0"/>
-              <a:buChar char="•"/>
-            </a:pPr>
-            <a:r>
-              <a:rPr lang="en-US" sz="1800" dirty="0">
-                <a:latin typeface="Calibri" panose="020F0502020204030204" pitchFamily="34" charset="0"/>
-                <a:cs typeface="Calibri" panose="020F0502020204030204" pitchFamily="34" charset="0"/>
-              </a:rPr>
-              <a:t>Customer Dashboard</a:t>
-            </a:r>
-          </a:p>
-          <a:p>
-            <a:pPr marL="339471" indent="-339471" defTabSz="905256">
-              <a:spcAft>
-                <a:spcPts val="600"/>
-              </a:spcAft>
-              <a:buFont typeface="Arial" panose="020B0604020202020204" pitchFamily="34" charset="0"/>
-              <a:buChar char="•"/>
-            </a:pPr>
-            <a:r>
-              <a:rPr lang="en-US" sz="1800" dirty="0">
-                <a:latin typeface="Calibri" panose="020F0502020204030204" pitchFamily="34" charset="0"/>
-                <a:cs typeface="Calibri" panose="020F0502020204030204" pitchFamily="34" charset="0"/>
-              </a:rPr>
-              <a:t>Admin Dashboard</a:t>
-            </a:r>
-          </a:p>
-          <a:p>
-            <a:pPr marL="339471" indent="-339471" defTabSz="905256">
-              <a:spcAft>
-                <a:spcPts val="600"/>
-              </a:spcAft>
-              <a:buFont typeface="Arial" panose="020B0604020202020204" pitchFamily="34" charset="0"/>
-              <a:buChar char="•"/>
-            </a:pPr>
-            <a:r>
-              <a:rPr lang="en-US" sz="1800" dirty="0">
-                <a:latin typeface="Calibri" panose="020F0502020204030204" pitchFamily="34" charset="0"/>
-                <a:cs typeface="Calibri" panose="020F0502020204030204" pitchFamily="34" charset="0"/>
-              </a:rPr>
-              <a:t>Bike Selection</a:t>
-            </a:r>
-          </a:p>
-          <a:p>
-            <a:pPr marL="339471" indent="-339471" defTabSz="905256">
-              <a:spcAft>
-                <a:spcPts val="600"/>
-              </a:spcAft>
-              <a:buFont typeface="Arial" panose="020B0604020202020204" pitchFamily="34" charset="0"/>
-              <a:buChar char="•"/>
-            </a:pPr>
-            <a:r>
-              <a:rPr lang="en-US" sz="1800" dirty="0">
-                <a:latin typeface="Calibri" panose="020F0502020204030204" pitchFamily="34" charset="0"/>
-                <a:cs typeface="Calibri" panose="020F0502020204030204" pitchFamily="34" charset="0"/>
-              </a:rPr>
-              <a:t>Availability Status</a:t>
-            </a:r>
-          </a:p>
-          <a:p>
-            <a:pPr marL="339471" indent="-339471" defTabSz="905256">
-              <a:spcAft>
-                <a:spcPts val="600"/>
-              </a:spcAft>
-              <a:buFont typeface="Arial" panose="020B0604020202020204" pitchFamily="34" charset="0"/>
-              <a:buChar char="•"/>
-            </a:pPr>
-            <a:r>
-              <a:rPr lang="en-US" sz="1800" dirty="0">
-                <a:latin typeface="Calibri" panose="020F0502020204030204" pitchFamily="34" charset="0"/>
-                <a:cs typeface="Calibri" panose="020F0502020204030204" pitchFamily="34" charset="0"/>
-              </a:rPr>
-              <a:t>Rental Management</a:t>
-            </a:r>
-          </a:p>
-          <a:p>
-            <a:endParaRPr lang="en-US" dirty="0"/>
-          </a:p>
-        </p:txBody>
-      </p:sp>
-      <p:sp>
-        <p:nvSpPr>
-          <p:cNvPr id="4" name="Date Placeholder 3">
-            <a:extLst>
-              <a:ext uri="{FF2B5EF4-FFF2-40B4-BE49-F238E27FC236}">
-                <a16:creationId xmlns:a16="http://schemas.microsoft.com/office/drawing/2014/main" id="{776D2C21-401E-B3EC-B1DB-A9A74182B139}"/>
-              </a:ext>
-            </a:extLst>
-          </p:cNvPr>
-          <p:cNvSpPr>
-            <a:spLocks noGrp="1"/>
-          </p:cNvSpPr>
-          <p:nvPr>
-            <p:ph type="dt" sz="half" idx="10"/>
-          </p:nvPr>
-        </p:nvSpPr>
-        <p:spPr/>
-        <p:txBody>
-          <a:bodyPr/>
-          <a:lstStyle/>
-          <a:p>
-            <a:fld id="{579F6069-8263-4296-913A-BC2234E8D32B}" type="datetime1">
-              <a:rPr lang="en-US" smtClean="0"/>
-              <a:t>5/10/2024</a:t>
-            </a:fld>
-            <a:endParaRPr lang="en-US"/>
-          </a:p>
-        </p:txBody>
-      </p:sp>
-      <p:sp>
-        <p:nvSpPr>
-          <p:cNvPr id="5" name="Footer Placeholder 4">
-            <a:extLst>
-              <a:ext uri="{FF2B5EF4-FFF2-40B4-BE49-F238E27FC236}">
-                <a16:creationId xmlns:a16="http://schemas.microsoft.com/office/drawing/2014/main" id="{A4DC1F00-FB3C-C37F-0E4B-5009BF1A2655}"/>
-              </a:ext>
-            </a:extLst>
-          </p:cNvPr>
-          <p:cNvSpPr>
-            <a:spLocks noGrp="1"/>
-          </p:cNvSpPr>
-          <p:nvPr>
-            <p:ph type="ftr" sz="quarter" idx="11"/>
-          </p:nvPr>
-        </p:nvSpPr>
-        <p:spPr/>
-        <p:txBody>
-          <a:bodyPr/>
-          <a:lstStyle/>
-          <a:p>
-            <a:r>
-              <a:rPr lang="en-US"/>
-              <a:t>Sample Footer Text</a:t>
-            </a:r>
-          </a:p>
-        </p:txBody>
-      </p:sp>
-      <p:sp>
-        <p:nvSpPr>
-          <p:cNvPr id="6" name="Slide Number Placeholder 5">
-            <a:extLst>
-              <a:ext uri="{FF2B5EF4-FFF2-40B4-BE49-F238E27FC236}">
-                <a16:creationId xmlns:a16="http://schemas.microsoft.com/office/drawing/2014/main" id="{0BBAEE46-8772-C699-03F8-E2B637391E33}"/>
-              </a:ext>
-            </a:extLst>
-          </p:cNvPr>
-          <p:cNvSpPr>
-            <a:spLocks noGrp="1"/>
-          </p:cNvSpPr>
-          <p:nvPr>
-            <p:ph type="sldNum" sz="quarter" idx="12"/>
-          </p:nvPr>
-        </p:nvSpPr>
-        <p:spPr/>
-        <p:txBody>
-          <a:bodyPr/>
-          <a:lstStyle/>
-          <a:p>
-            <a:fld id="{C68AC1EC-23E2-4F0E-A5A4-674EC8DB954E}" type="slidenum">
-              <a:rPr lang="en-US" smtClean="0"/>
-              <a:t>7</a:t>
-            </a:fld>
-            <a:endParaRPr lang="en-US"/>
-          </a:p>
-        </p:txBody>
-      </p:sp>
-      <p:sp>
-        <p:nvSpPr>
-          <p:cNvPr id="7" name="Content Placeholder 2">
-            <a:extLst>
-              <a:ext uri="{FF2B5EF4-FFF2-40B4-BE49-F238E27FC236}">
-                <a16:creationId xmlns:a16="http://schemas.microsoft.com/office/drawing/2014/main" id="{AF97A04A-00D1-F621-E44A-F6D7A55B76E7}"/>
-              </a:ext>
-            </a:extLst>
-          </p:cNvPr>
-          <p:cNvSpPr txBox="1">
-            <a:spLocks/>
-          </p:cNvSpPr>
-          <p:nvPr/>
-        </p:nvSpPr>
-        <p:spPr>
-          <a:xfrm>
-            <a:off x="6427259" y="2084832"/>
-            <a:ext cx="4207748" cy="4023360"/>
-          </a:xfrm>
-          <a:prstGeom prst="rect">
-            <a:avLst/>
-          </a:prstGeom>
-        </p:spPr>
-        <p:txBody>
-          <a:bodyPr vert="horz" lIns="45720" tIns="45720" rIns="45720" bIns="45720" rtlCol="0">
-            <a:normAutofit/>
-          </a:bodyPr>
-          <a:lstStyle>
-            <a:lvl1pPr marL="91440" indent="-91440" algn="l" defTabSz="914400" rtl="0" eaLnBrk="1" latinLnBrk="0" hangingPunct="1">
-              <a:lnSpc>
-                <a:spcPct val="90000"/>
-              </a:lnSpc>
-              <a:spcBef>
-                <a:spcPts val="1200"/>
-              </a:spcBef>
-              <a:spcAft>
-                <a:spcPts val="200"/>
-              </a:spcAft>
-              <a:buClr>
-                <a:schemeClr val="accent2"/>
-              </a:buClr>
-              <a:buSzPct val="100000"/>
-              <a:buFont typeface="Tw Cen MT" panose="020B0602020104020603" pitchFamily="34" charset="0"/>
-              <a:buChar char=" "/>
-              <a:defRPr sz="2200" kern="1200">
-                <a:solidFill>
-                  <a:schemeClr val="tx1"/>
-                </a:solidFill>
-                <a:latin typeface="+mn-lt"/>
-                <a:ea typeface="+mn-ea"/>
-                <a:cs typeface="+mn-cs"/>
-              </a:defRPr>
-            </a:lvl1pPr>
-            <a:lvl2pPr marL="265176" indent="-137160" algn="l" defTabSz="914400" rtl="0" eaLnBrk="1" latinLnBrk="0" hangingPunct="1">
-              <a:lnSpc>
-                <a:spcPct val="90000"/>
-              </a:lnSpc>
-              <a:spcBef>
-                <a:spcPts val="200"/>
-              </a:spcBef>
-              <a:spcAft>
-                <a:spcPts val="400"/>
-              </a:spcAft>
-              <a:buClr>
-                <a:schemeClr val="accent2"/>
-              </a:buClr>
-              <a:buFont typeface="Wingdings 3" pitchFamily="18" charset="2"/>
-              <a:buChar char=""/>
-              <a:defRPr sz="1800" kern="1200">
-                <a:solidFill>
-                  <a:schemeClr val="tx1"/>
-                </a:solidFill>
-                <a:latin typeface="+mn-lt"/>
-                <a:ea typeface="+mn-ea"/>
-                <a:cs typeface="+mn-cs"/>
-              </a:defRPr>
-            </a:lvl2pPr>
-            <a:lvl3pPr marL="448056" indent="-137160" algn="l" defTabSz="914400" rtl="0" eaLnBrk="1" latinLnBrk="0" hangingPunct="1">
-              <a:lnSpc>
-                <a:spcPct val="90000"/>
-              </a:lnSpc>
-              <a:spcBef>
-                <a:spcPts val="200"/>
-              </a:spcBef>
-              <a:spcAft>
-                <a:spcPts val="400"/>
-              </a:spcAft>
-              <a:buClr>
-                <a:schemeClr val="accent2"/>
-              </a:buClr>
-              <a:buFont typeface="Wingdings 3" pitchFamily="18" charset="2"/>
-              <a:buChar char=""/>
-              <a:defRPr sz="1400" kern="1200">
-                <a:solidFill>
-                  <a:schemeClr val="tx1"/>
-                </a:solidFill>
-                <a:latin typeface="+mn-lt"/>
-                <a:ea typeface="+mn-ea"/>
-                <a:cs typeface="+mn-cs"/>
-              </a:defRPr>
-            </a:lvl3pPr>
-            <a:lvl4pPr marL="594360" indent="-137160" algn="l" defTabSz="914400" rtl="0" eaLnBrk="1" latinLnBrk="0" hangingPunct="1">
-              <a:lnSpc>
-                <a:spcPct val="90000"/>
-              </a:lnSpc>
-              <a:spcBef>
-                <a:spcPts val="200"/>
-              </a:spcBef>
-              <a:spcAft>
-                <a:spcPts val="400"/>
-              </a:spcAft>
-              <a:buClr>
-                <a:schemeClr val="accent2"/>
-              </a:buClr>
-              <a:buFont typeface="Wingdings 3" pitchFamily="18" charset="2"/>
-              <a:buChar char=""/>
-              <a:defRPr sz="1400" kern="1200">
-                <a:solidFill>
-                  <a:schemeClr val="tx1"/>
-                </a:solidFill>
-                <a:latin typeface="+mn-lt"/>
-                <a:ea typeface="+mn-ea"/>
-                <a:cs typeface="+mn-cs"/>
-              </a:defRPr>
-            </a:lvl4pPr>
-            <a:lvl5pPr marL="777240" indent="-137160" algn="l" defTabSz="914400" rtl="0" eaLnBrk="1" latinLnBrk="0" hangingPunct="1">
-              <a:lnSpc>
-                <a:spcPct val="90000"/>
-              </a:lnSpc>
-              <a:spcBef>
-                <a:spcPts val="200"/>
-              </a:spcBef>
-              <a:spcAft>
-                <a:spcPts val="400"/>
-              </a:spcAft>
-              <a:buClr>
-                <a:schemeClr val="accent2"/>
-              </a:buClr>
-              <a:buFont typeface="Wingdings 3" pitchFamily="18" charset="2"/>
-              <a:buChar char=""/>
-              <a:defRPr sz="1400" kern="1200">
-                <a:solidFill>
-                  <a:schemeClr val="tx1"/>
-                </a:solidFill>
-                <a:latin typeface="+mn-lt"/>
-                <a:ea typeface="+mn-ea"/>
-                <a:cs typeface="+mn-cs"/>
-              </a:defRPr>
-            </a:lvl5pPr>
-            <a:lvl6pPr marL="914400" indent="-137160" algn="l" defTabSz="914400" rtl="0" eaLnBrk="1" latinLnBrk="0" hangingPunct="1">
-              <a:lnSpc>
-                <a:spcPct val="90000"/>
-              </a:lnSpc>
-              <a:spcBef>
-                <a:spcPts val="200"/>
-              </a:spcBef>
-              <a:spcAft>
-                <a:spcPts val="400"/>
-              </a:spcAft>
-              <a:buClr>
-                <a:schemeClr val="accent2"/>
-              </a:buClr>
-              <a:buFont typeface="Wingdings 3" pitchFamily="18" charset="2"/>
-              <a:buChar char=""/>
-              <a:defRPr sz="1400" kern="1200">
-                <a:solidFill>
-                  <a:schemeClr val="tx1"/>
-                </a:solidFill>
-                <a:latin typeface="+mn-lt"/>
-                <a:ea typeface="+mn-ea"/>
-                <a:cs typeface="+mn-cs"/>
-              </a:defRPr>
-            </a:lvl6pPr>
-            <a:lvl7pPr marL="1060704" indent="-137160" algn="l" defTabSz="914400" rtl="0" eaLnBrk="1" latinLnBrk="0" hangingPunct="1">
-              <a:lnSpc>
-                <a:spcPct val="90000"/>
-              </a:lnSpc>
-              <a:spcBef>
-                <a:spcPts val="200"/>
-              </a:spcBef>
-              <a:spcAft>
-                <a:spcPts val="400"/>
-              </a:spcAft>
-              <a:buClr>
-                <a:schemeClr val="accent2"/>
-              </a:buClr>
-              <a:buFont typeface="Wingdings 3" pitchFamily="18" charset="2"/>
-              <a:buChar char=""/>
-              <a:defRPr sz="1400" kern="1200">
-                <a:solidFill>
-                  <a:schemeClr val="tx1"/>
-                </a:solidFill>
-                <a:latin typeface="+mn-lt"/>
-                <a:ea typeface="+mn-ea"/>
-                <a:cs typeface="+mn-cs"/>
-              </a:defRPr>
-            </a:lvl7pPr>
-            <a:lvl8pPr marL="1216152" indent="-137160" algn="l" defTabSz="914400" rtl="0" eaLnBrk="1" latinLnBrk="0" hangingPunct="1">
-              <a:lnSpc>
-                <a:spcPct val="90000"/>
-              </a:lnSpc>
-              <a:spcBef>
-                <a:spcPts val="200"/>
-              </a:spcBef>
-              <a:spcAft>
-                <a:spcPts val="400"/>
-              </a:spcAft>
-              <a:buClr>
-                <a:schemeClr val="accent2"/>
-              </a:buClr>
-              <a:buFont typeface="Wingdings 3" pitchFamily="18" charset="2"/>
-              <a:buChar char=""/>
-              <a:defRPr sz="1400" kern="1200">
-                <a:solidFill>
-                  <a:schemeClr val="tx1"/>
-                </a:solidFill>
-                <a:latin typeface="+mn-lt"/>
-                <a:ea typeface="+mn-ea"/>
-                <a:cs typeface="+mn-cs"/>
-              </a:defRPr>
-            </a:lvl8pPr>
-            <a:lvl9pPr marL="1362456" indent="-137160" algn="l" defTabSz="914400" rtl="0" eaLnBrk="1" latinLnBrk="0" hangingPunct="1">
-              <a:lnSpc>
-                <a:spcPct val="90000"/>
-              </a:lnSpc>
-              <a:spcBef>
-                <a:spcPts val="200"/>
-              </a:spcBef>
-              <a:spcAft>
-                <a:spcPts val="400"/>
-              </a:spcAft>
-              <a:buClr>
-                <a:schemeClr val="accent2"/>
-              </a:buClr>
-              <a:buFont typeface="Wingdings 3" pitchFamily="18" charset="2"/>
-              <a:buChar char=""/>
-              <a:defRPr sz="1400" kern="1200">
-                <a:solidFill>
-                  <a:schemeClr val="tx1"/>
-                </a:solidFill>
-                <a:latin typeface="+mn-lt"/>
-                <a:ea typeface="+mn-ea"/>
-                <a:cs typeface="+mn-cs"/>
-              </a:defRPr>
-            </a:lvl9pPr>
-          </a:lstStyle>
-          <a:p>
             <a:pPr marL="0" indent="0" defTabSz="905256">
               <a:lnSpc>
                 <a:spcPct val="100000"/>
@@ -10240,7 +9293,7 @@
                   <a:spcPts val="600"/>
                 </a:spcAft>
               </a:pPr>
-              <a:t>5/10/2024</a:t>
+              <a:t>5/11/2024</a:t>
             </a:fld>
             <a:endParaRPr lang="en-US"/>
           </a:p>
@@ -10433,16 +9486,60 @@
           <a:bodyPr/>
           <a:lstStyle/>
           <a:p>
-            <a:pPr marL="457200" indent="-457200">
-              <a:buFont typeface="+mj-lt"/>
-              <a:buAutoNum type="arabicPeriod"/>
+            <a:pPr defTabSz="630936">
+              <a:spcAft>
+                <a:spcPts val="600"/>
+              </a:spcAft>
             </a:pPr>
             <a:r>
               <a:rPr lang="en-US" sz="1600" dirty="0">
                 <a:latin typeface="Calibri" panose="020F0502020204030204" pitchFamily="34" charset="0"/>
                 <a:cs typeface="Calibri" panose="020F0502020204030204" pitchFamily="34" charset="0"/>
               </a:rPr>
-              <a:t>Technical Feasibility  </a:t>
+              <a:t>Technical Feasibility : </a:t>
+            </a:r>
+          </a:p>
+          <a:p>
+            <a:pPr defTabSz="630936">
+              <a:spcAft>
+                <a:spcPts val="600"/>
+              </a:spcAft>
+            </a:pPr>
+            <a:r>
+              <a:rPr lang="en-ZA" sz="1600" kern="1200" dirty="0">
+                <a:solidFill>
+                  <a:schemeClr val="tx1"/>
+                </a:solidFill>
+                <a:latin typeface="+mn-lt"/>
+                <a:ea typeface="+mn-ea"/>
+                <a:cs typeface="+mn-cs"/>
+              </a:rPr>
+              <a:t>HTML, CSS, JavaScript, PHP, MySQL. </a:t>
+            </a:r>
+          </a:p>
+          <a:p>
+            <a:pPr defTabSz="630936">
+              <a:spcAft>
+                <a:spcPts val="600"/>
+              </a:spcAft>
+            </a:pPr>
+            <a:r>
+              <a:rPr lang="en-ZA" sz="1600" kern="1200" dirty="0">
+                <a:solidFill>
+                  <a:schemeClr val="tx1"/>
+                </a:solidFill>
+                <a:latin typeface="+mn-lt"/>
+                <a:ea typeface="+mn-ea"/>
+                <a:cs typeface="+mn-cs"/>
+              </a:rPr>
+              <a:t>Requires standard desktop or laptop.</a:t>
+            </a:r>
+            <a:r>
+              <a:rPr lang="en-US" sz="1600" dirty="0">
+                <a:latin typeface="Calibri" panose="020F0502020204030204" pitchFamily="34" charset="0"/>
+                <a:cs typeface="Calibri" panose="020F0502020204030204" pitchFamily="34" charset="0"/>
+              </a:rPr>
+              <a:t>  </a:t>
             </a:r>
             <a:endParaRPr lang="en-ZA" sz="1600" dirty="0">
               <a:latin typeface="Calibri" panose="020F0502020204030204" pitchFamily="34" charset="0"/>
@@ -10450,21 +9547,58 @@
             </a:endParaRPr>
           </a:p>
           <a:p>
-            <a:pPr marL="457200" indent="-457200">
-              <a:buFont typeface="+mj-lt"/>
-              <a:buAutoNum type="arabicPeriod"/>
+            <a:pPr marL="0" indent="0">
+              <a:buNone/>
             </a:pPr>
             <a:r>
               <a:rPr lang="en-ZA" sz="1600" dirty="0">
                 <a:latin typeface="Calibri" panose="020F0502020204030204"/>
               </a:rPr>
-              <a:t>Operational Feasibility</a:t>
-            </a:r>
-          </a:p>
-          <a:p>
-            <a:pPr marL="457200" indent="-457200">
-              <a:buFont typeface="+mj-lt"/>
-              <a:buAutoNum type="arabicPeriod"/>
+              <a:t>Operational Feasibility:</a:t>
+            </a:r>
+          </a:p>
+          <a:p>
+            <a:pPr defTabSz="630936">
+              <a:spcAft>
+                <a:spcPts val="600"/>
+              </a:spcAft>
+            </a:pPr>
+            <a:r>
+              <a:rPr lang="en-ZA" sz="1600" kern="1200" noProof="1">
+                <a:solidFill>
+                  <a:schemeClr val="tx1"/>
+                </a:solidFill>
+                <a:latin typeface="+mn-lt"/>
+                <a:ea typeface="+mn-ea"/>
+                <a:cs typeface="+mn-cs"/>
+              </a:rPr>
+              <a:t>User friendly interface</a:t>
+            </a:r>
+          </a:p>
+          <a:p>
+            <a:pPr defTabSz="630936">
+              <a:spcAft>
+                <a:spcPts val="600"/>
+              </a:spcAft>
+            </a:pPr>
+            <a:r>
+              <a:rPr lang="en-US" sz="1600" kern="1200" dirty="0">
+                <a:solidFill>
+                  <a:schemeClr val="tx1"/>
+                </a:solidFill>
+                <a:latin typeface="+mn-lt"/>
+                <a:ea typeface="+mn-ea"/>
+                <a:cs typeface="+mn-cs"/>
+              </a:rPr>
+              <a:t>Simplified modules for easy navigation</a:t>
+            </a:r>
+            <a:endParaRPr lang="en-ZA" sz="1600" dirty="0">
+              <a:latin typeface="Calibri" panose="020F0502020204030204"/>
+            </a:endParaRPr>
+          </a:p>
+          <a:p>
+            <a:pPr marL="0" indent="0">
+              <a:buNone/>
             </a:pPr>
             <a:r>
               <a:rPr lang="en-ZA" sz="1600" dirty="0">
@@ -10474,15 +9608,33 @@
             </a:r>
           </a:p>
           <a:p>
-            <a:pPr marL="457200" indent="-457200">
-              <a:buFont typeface="+mj-lt"/>
-              <a:buAutoNum type="arabicPeriod"/>
+            <a:pPr marL="0" indent="0">
+              <a:buNone/>
+            </a:pPr>
+            <a:r>
+              <a:rPr lang="en-ZA" sz="1600" kern="1200" dirty="0">
+                <a:solidFill>
+                  <a:schemeClr val="tx1"/>
+                </a:solidFill>
+                <a:latin typeface="+mn-lt"/>
+                <a:ea typeface="+mn-ea"/>
+                <a:cs typeface="+mn-cs"/>
+              </a:rPr>
+              <a:t> Affordable website development.</a:t>
+            </a:r>
+            <a:endParaRPr lang="en-ZA" sz="1600" dirty="0">
+              <a:latin typeface="Calibri" panose="020F0502020204030204"/>
+            </a:endParaRPr>
+          </a:p>
+          <a:p>
+            <a:pPr marL="0" indent="0">
+              <a:buNone/>
             </a:pPr>
             <a:r>
               <a:rPr lang="en-ZA" sz="1600" dirty="0">
                 <a:latin typeface="Calibri" panose="020F0502020204030204"/>
               </a:rPr>
-              <a:t>Schedule</a:t>
+              <a:t>Schedule:</a:t>
             </a:r>
           </a:p>
           <a:p>
@@ -10526,7 +9678,7 @@
           <a:p>
             <a:fld id="{579F6069-8263-4296-913A-BC2234E8D32B}" type="datetime1">
               <a:rPr lang="en-US" smtClean="0"/>
-              <a:t>5/10/2024</a:t>
+              <a:t>5/11/2024</a:t>
             </a:fld>
             <a:endParaRPr lang="en-US"/>
           </a:p>
@@ -10554,7 +9706,7 @@
           <a:lstStyle/>
           <a:p>
             <a:r>
-              <a:rPr lang="en-US"/>
+              <a:rPr lang="en-US" dirty="0"/>
               <a:t>Sample Footer Text</a:t>
             </a:r>
           </a:p>
